--- a/Samuel_und_MCI_Präse_V1.pptx
+++ b/Samuel_und_MCI_Präse_V1.pptx
@@ -5,7 +5,7 @@
     <p:sldMasterId id="2147483648" r:id="rId1"/>
   </p:sldMasterIdLst>
   <p:notesMasterIdLst>
-    <p:notesMasterId r:id="rId15"/>
+    <p:notesMasterId r:id="rId17"/>
   </p:notesMasterIdLst>
   <p:sldIdLst>
     <p:sldId id="256" r:id="rId2"/>
@@ -20,7 +20,9 @@
     <p:sldId id="264" r:id="rId11"/>
     <p:sldId id="263" r:id="rId12"/>
     <p:sldId id="273" r:id="rId13"/>
-    <p:sldId id="265" r:id="rId14"/>
+    <p:sldId id="274" r:id="rId14"/>
+    <p:sldId id="275" r:id="rId15"/>
+    <p:sldId id="265" r:id="rId16"/>
   </p:sldIdLst>
   <p:sldSz cx="12192000" cy="6858000"/>
   <p:notesSz cx="6858000" cy="9144000"/>
@@ -220,7 +222,7 @@
           <a:p>
             <a:fld id="{9F82FD1A-2778-4819-B3C7-AF4A4FC5D999}" type="datetimeFigureOut">
               <a:rPr lang="en-US" smtClean="0"/>
-              <a:t>4/21/2018</a:t>
+              <a:t>4/22/2018</a:t>
             </a:fld>
             <a:endParaRPr lang="en-US"/>
           </a:p>
@@ -1317,6 +1319,90 @@
 </p:notes>
 </file>
 
+<file path=ppt/notesSlides/notesSlide8.xml><?xml version="1.0" encoding="utf-8"?>
+<p:notes xmlns:a="http://schemas.openxmlformats.org/drawingml/2006/main" xmlns:r="http://schemas.openxmlformats.org/officeDocument/2006/relationships" xmlns:p="http://schemas.openxmlformats.org/presentationml/2006/main">
+  <p:cSld>
+    <p:spTree>
+      <p:nvGrpSpPr>
+        <p:cNvPr id="1" name=""/>
+        <p:cNvGrpSpPr/>
+        <p:nvPr/>
+      </p:nvGrpSpPr>
+      <p:grpSpPr>
+        <a:xfrm>
+          <a:off x="0" y="0"/>
+          <a:ext cx="0" cy="0"/>
+          <a:chOff x="0" y="0"/>
+          <a:chExt cx="0" cy="0"/>
+        </a:xfrm>
+      </p:grpSpPr>
+      <p:sp>
+        <p:nvSpPr>
+          <p:cNvPr id="2" name="Slide Image Placeholder 1"/>
+          <p:cNvSpPr>
+            <a:spLocks noGrp="1" noRot="1" noChangeAspect="1"/>
+          </p:cNvSpPr>
+          <p:nvPr>
+            <p:ph type="sldImg"/>
+          </p:nvPr>
+        </p:nvSpPr>
+        <p:spPr/>
+      </p:sp>
+      <p:sp>
+        <p:nvSpPr>
+          <p:cNvPr id="3" name="Notes Placeholder 2"/>
+          <p:cNvSpPr>
+            <a:spLocks noGrp="1"/>
+          </p:cNvSpPr>
+          <p:nvPr>
+            <p:ph type="body" idx="1"/>
+          </p:nvPr>
+        </p:nvSpPr>
+        <p:spPr/>
+        <p:txBody>
+          <a:bodyPr/>
+          <a:lstStyle/>
+          <a:p>
+            <a:endParaRPr lang="en-US" dirty="0"/>
+          </a:p>
+        </p:txBody>
+      </p:sp>
+      <p:sp>
+        <p:nvSpPr>
+          <p:cNvPr id="4" name="Slide Number Placeholder 3"/>
+          <p:cNvSpPr>
+            <a:spLocks noGrp="1"/>
+          </p:cNvSpPr>
+          <p:nvPr>
+            <p:ph type="sldNum" sz="quarter" idx="10"/>
+          </p:nvPr>
+        </p:nvSpPr>
+        <p:spPr/>
+        <p:txBody>
+          <a:bodyPr/>
+          <a:lstStyle/>
+          <a:p>
+            <a:fld id="{D8D28462-7663-4CB5-8661-66707EB5C32E}" type="slidenum">
+              <a:rPr lang="en-US" smtClean="0"/>
+              <a:t>13</a:t>
+            </a:fld>
+            <a:endParaRPr lang="en-US"/>
+          </a:p>
+        </p:txBody>
+      </p:sp>
+    </p:spTree>
+    <p:extLst>
+      <p:ext uri="{BB962C8B-B14F-4D97-AF65-F5344CB8AC3E}">
+        <p14:creationId xmlns:p14="http://schemas.microsoft.com/office/powerpoint/2010/main" val="1249740881"/>
+      </p:ext>
+    </p:extLst>
+  </p:cSld>
+  <p:clrMapOvr>
+    <a:masterClrMapping/>
+  </p:clrMapOvr>
+</p:notes>
+</file>
+
 <file path=ppt/slideLayouts/slideLayout1.xml><?xml version="1.0" encoding="utf-8"?>
 <p:sldLayout xmlns:a="http://schemas.openxmlformats.org/drawingml/2006/main" xmlns:r="http://schemas.openxmlformats.org/officeDocument/2006/relationships" xmlns:p="http://schemas.openxmlformats.org/presentationml/2006/main" type="title" preserve="1">
   <p:cSld name="Title Slide">
@@ -1464,7 +1550,7 @@
           <a:p>
             <a:fld id="{BF4308DE-B4BF-4845-83C3-8FBB6123A3BE}" type="datetimeFigureOut">
               <a:rPr lang="en-US" smtClean="0"/>
-              <a:t>4/21/2018</a:t>
+              <a:t>4/22/2018</a:t>
             </a:fld>
             <a:endParaRPr lang="en-US"/>
           </a:p>
@@ -1665,7 +1751,7 @@
           <a:p>
             <a:fld id="{BF4308DE-B4BF-4845-83C3-8FBB6123A3BE}" type="datetimeFigureOut">
               <a:rPr lang="en-US" smtClean="0"/>
-              <a:t>4/21/2018</a:t>
+              <a:t>4/22/2018</a:t>
             </a:fld>
             <a:endParaRPr lang="en-US"/>
           </a:p>
@@ -1876,7 +1962,7 @@
           <a:p>
             <a:fld id="{BF4308DE-B4BF-4845-83C3-8FBB6123A3BE}" type="datetimeFigureOut">
               <a:rPr lang="en-US" smtClean="0"/>
-              <a:t>4/21/2018</a:t>
+              <a:t>4/22/2018</a:t>
             </a:fld>
             <a:endParaRPr lang="en-US"/>
           </a:p>
@@ -2077,7 +2163,7 @@
           <a:p>
             <a:fld id="{BF4308DE-B4BF-4845-83C3-8FBB6123A3BE}" type="datetimeFigureOut">
               <a:rPr lang="en-US" smtClean="0"/>
-              <a:t>4/21/2018</a:t>
+              <a:t>4/22/2018</a:t>
             </a:fld>
             <a:endParaRPr lang="en-US"/>
           </a:p>
@@ -2355,7 +2441,7 @@
           <a:p>
             <a:fld id="{BF4308DE-B4BF-4845-83C3-8FBB6123A3BE}" type="datetimeFigureOut">
               <a:rPr lang="en-US" smtClean="0"/>
-              <a:t>4/21/2018</a:t>
+              <a:t>4/22/2018</a:t>
             </a:fld>
             <a:endParaRPr lang="en-US"/>
           </a:p>
@@ -2623,7 +2709,7 @@
           <a:p>
             <a:fld id="{BF4308DE-B4BF-4845-83C3-8FBB6123A3BE}" type="datetimeFigureOut">
               <a:rPr lang="en-US" smtClean="0"/>
-              <a:t>4/21/2018</a:t>
+              <a:t>4/22/2018</a:t>
             </a:fld>
             <a:endParaRPr lang="en-US"/>
           </a:p>
@@ -3038,7 +3124,7 @@
           <a:p>
             <a:fld id="{BF4308DE-B4BF-4845-83C3-8FBB6123A3BE}" type="datetimeFigureOut">
               <a:rPr lang="en-US" smtClean="0"/>
-              <a:t>4/21/2018</a:t>
+              <a:t>4/22/2018</a:t>
             </a:fld>
             <a:endParaRPr lang="en-US"/>
           </a:p>
@@ -3182,7 +3268,7 @@
           <a:p>
             <a:fld id="{BF4308DE-B4BF-4845-83C3-8FBB6123A3BE}" type="datetimeFigureOut">
               <a:rPr lang="en-US" smtClean="0"/>
-              <a:t>4/21/2018</a:t>
+              <a:t>4/22/2018</a:t>
             </a:fld>
             <a:endParaRPr lang="en-US"/>
           </a:p>
@@ -3298,7 +3384,7 @@
           <a:p>
             <a:fld id="{BF4308DE-B4BF-4845-83C3-8FBB6123A3BE}" type="datetimeFigureOut">
               <a:rPr lang="en-US" smtClean="0"/>
-              <a:t>4/21/2018</a:t>
+              <a:t>4/22/2018</a:t>
             </a:fld>
             <a:endParaRPr lang="en-US"/>
           </a:p>
@@ -3612,7 +3698,7 @@
           <a:p>
             <a:fld id="{BF4308DE-B4BF-4845-83C3-8FBB6123A3BE}" type="datetimeFigureOut">
               <a:rPr lang="en-US" smtClean="0"/>
-              <a:t>4/21/2018</a:t>
+              <a:t>4/22/2018</a:t>
             </a:fld>
             <a:endParaRPr lang="en-US"/>
           </a:p>
@@ -3903,7 +3989,7 @@
           <a:p>
             <a:fld id="{BF4308DE-B4BF-4845-83C3-8FBB6123A3BE}" type="datetimeFigureOut">
               <a:rPr lang="en-US" smtClean="0"/>
-              <a:t>4/21/2018</a:t>
+              <a:t>4/22/2018</a:t>
             </a:fld>
             <a:endParaRPr lang="en-US"/>
           </a:p>
@@ -4179,7 +4265,7 @@
           <a:p>
             <a:fld id="{BF4308DE-B4BF-4845-83C3-8FBB6123A3BE}" type="datetimeFigureOut">
               <a:rPr lang="en-US" smtClean="0"/>
-              <a:t>4/21/2018</a:t>
+              <a:t>4/22/2018</a:t>
             </a:fld>
             <a:endParaRPr lang="en-US"/>
           </a:p>
@@ -4650,8 +4736,8 @@
         </p:nvSpPr>
         <p:spPr>
           <a:xfrm>
-            <a:off x="443346" y="3059338"/>
-            <a:ext cx="11305309" cy="1049523"/>
+            <a:off x="443346" y="3059339"/>
+            <a:ext cx="11305309" cy="568227"/>
           </a:xfrm>
           <a:prstGeom prst="rect">
             <a:avLst/>
@@ -4704,59 +4790,19 @@
             <p:ph type="ctrTitle"/>
           </p:nvPr>
         </p:nvSpPr>
-        <p:spPr/>
+        <p:spPr>
+          <a:xfrm>
+            <a:off x="1524000" y="1181355"/>
+            <a:ext cx="9144000" cy="2387600"/>
+          </a:xfrm>
+        </p:spPr>
         <p:txBody>
           <a:bodyPr/>
           <a:lstStyle/>
           <a:p>
             <a:r>
-              <a:rPr lang="de-DE" dirty="0" err="1"/>
-              <a:t>Lorem</a:t>
-            </a:r>
-            <a:r>
               <a:rPr lang="de-DE" dirty="0"/>
-              <a:t> </a:t>
-            </a:r>
-            <a:r>
-              <a:rPr lang="de-DE" dirty="0" err="1"/>
-              <a:t>Ipsum</a:t>
-            </a:r>
-            <a:endParaRPr lang="en-US" dirty="0"/>
-          </a:p>
-        </p:txBody>
-      </p:sp>
-      <p:sp>
-        <p:nvSpPr>
-          <p:cNvPr id="3" name="Subtitle 2">
-            <a:extLst>
-              <a:ext uri="{FF2B5EF4-FFF2-40B4-BE49-F238E27FC236}">
-                <a16:creationId xmlns:a16="http://schemas.microsoft.com/office/drawing/2014/main" id="{7AC3BB63-32BC-4B6E-A0FC-5031F1221989}"/>
-              </a:ext>
-            </a:extLst>
-          </p:cNvPr>
-          <p:cNvSpPr>
-            <a:spLocks noGrp="1"/>
-          </p:cNvSpPr>
-          <p:nvPr>
-            <p:ph type="subTitle" idx="1"/>
-          </p:nvPr>
-        </p:nvSpPr>
-        <p:spPr/>
-        <p:txBody>
-          <a:bodyPr/>
-          <a:lstStyle/>
-          <a:p>
-            <a:r>
-              <a:rPr lang="de-DE" dirty="0" err="1"/>
-              <a:t>Lorem</a:t>
-            </a:r>
-            <a:r>
-              <a:rPr lang="de-DE" dirty="0"/>
-              <a:t> </a:t>
-            </a:r>
-            <a:r>
-              <a:rPr lang="de-DE" dirty="0" err="1"/>
-              <a:t>Ipsum</a:t>
+              <a:t>HHLA Challenge #1</a:t>
             </a:r>
             <a:endParaRPr lang="en-US" dirty="0"/>
           </a:p>
@@ -4884,11 +4930,11 @@
   <p:clrMapOvr>
     <a:masterClrMapping/>
   </p:clrMapOvr>
-  <mc:AlternateContent xmlns:mc="http://schemas.openxmlformats.org/markup-compatibility/2006">
-    <mc:Choice xmlns:p14="http://schemas.microsoft.com/office/powerpoint/2010/main" Requires="p14">
+  <mc:AlternateContent xmlns:mc="http://schemas.openxmlformats.org/markup-compatibility/2006" xmlns:p14="http://schemas.microsoft.com/office/powerpoint/2010/main">
+    <mc:Choice Requires="p14">
       <p:transition p14:dur="0"/>
     </mc:Choice>
-    <mc:Fallback>
+    <mc:Fallback xmlns="">
       <p:transition/>
     </mc:Fallback>
   </mc:AlternateContent>
@@ -7762,10 +7808,62 @@
       </p:grpSpPr>
       <p:sp>
         <p:nvSpPr>
+          <p:cNvPr id="8" name="Rectangle 7">
+            <a:extLst>
+              <a:ext uri="{FF2B5EF4-FFF2-40B4-BE49-F238E27FC236}">
+                <a16:creationId xmlns:a16="http://schemas.microsoft.com/office/drawing/2014/main" id="{6313E9DD-3DBF-43C4-93A5-A44C6EF76D8E}"/>
+              </a:ext>
+            </a:extLst>
+          </p:cNvPr>
+          <p:cNvSpPr/>
+          <p:nvPr/>
+        </p:nvSpPr>
+        <p:spPr>
+          <a:xfrm>
+            <a:off x="838199" y="993109"/>
+            <a:ext cx="4995554" cy="348880"/>
+          </a:xfrm>
+          <a:prstGeom prst="rect">
+            <a:avLst/>
+          </a:prstGeom>
+          <a:solidFill>
+            <a:schemeClr val="bg1"/>
+          </a:solidFill>
+          <a:ln>
+            <a:noFill/>
+          </a:ln>
+        </p:spPr>
+        <p:style>
+          <a:lnRef idx="2">
+            <a:schemeClr val="accent1">
+              <a:shade val="50000"/>
+            </a:schemeClr>
+          </a:lnRef>
+          <a:fillRef idx="1">
+            <a:schemeClr val="accent1"/>
+          </a:fillRef>
+          <a:effectRef idx="0">
+            <a:schemeClr val="accent1"/>
+          </a:effectRef>
+          <a:fontRef idx="minor">
+            <a:schemeClr val="lt1"/>
+          </a:fontRef>
+        </p:style>
+        <p:txBody>
+          <a:bodyPr rtlCol="0" anchor="ctr"/>
+          <a:lstStyle/>
+          <a:p>
+            <a:pPr algn="ctr"/>
+            <a:endParaRPr lang="en-US"/>
+          </a:p>
+        </p:txBody>
+      </p:sp>
+      <p:sp>
+        <p:nvSpPr>
           <p:cNvPr id="2" name="Title 1">
             <a:extLst>
               <a:ext uri="{FF2B5EF4-FFF2-40B4-BE49-F238E27FC236}">
-                <a16:creationId xmlns:a16="http://schemas.microsoft.com/office/drawing/2014/main" id="{14E40033-67E6-43D1-BB23-CBCE25B76B79}"/>
+                <a16:creationId xmlns:a16="http://schemas.microsoft.com/office/drawing/2014/main" id="{2862403C-3E54-42B6-8F06-6F900BBC8420}"/>
               </a:ext>
             </a:extLst>
           </p:cNvPr>
@@ -7781,16 +7879,882 @@
           <a:bodyPr/>
           <a:lstStyle/>
           <a:p>
+            <a:r>
+              <a:rPr lang="de-DE" dirty="0"/>
+              <a:t>Next </a:t>
+            </a:r>
+            <a:r>
+              <a:rPr lang="de-DE" dirty="0" err="1"/>
+              <a:t>Steps</a:t>
+            </a:r>
+            <a:endParaRPr lang="en-US" dirty="0"/>
+          </a:p>
+        </p:txBody>
+      </p:sp>
+      <p:grpSp>
+        <p:nvGrpSpPr>
+          <p:cNvPr id="9" name="Content Placeholder 5">
+            <a:extLst>
+              <a:ext uri="{FF2B5EF4-FFF2-40B4-BE49-F238E27FC236}">
+                <a16:creationId xmlns:a16="http://schemas.microsoft.com/office/drawing/2014/main" id="{8DE47F6C-3F8E-4714-A771-197CB193CF1D}"/>
+              </a:ext>
+            </a:extLst>
+          </p:cNvPr>
+          <p:cNvGrpSpPr/>
+          <p:nvPr/>
+        </p:nvGrpSpPr>
+        <p:grpSpPr>
+          <a:xfrm>
+            <a:off x="10207151" y="-1"/>
+            <a:ext cx="1146650" cy="1341989"/>
+            <a:chOff x="10207151" y="-1"/>
+            <a:chExt cx="1146650" cy="1341989"/>
+          </a:xfrm>
+        </p:grpSpPr>
+        <p:sp>
+          <p:nvSpPr>
+            <p:cNvPr id="11" name="Freeform: Shape 10">
+              <a:extLst>
+                <a:ext uri="{FF2B5EF4-FFF2-40B4-BE49-F238E27FC236}">
+                  <a16:creationId xmlns:a16="http://schemas.microsoft.com/office/drawing/2014/main" id="{A58A6291-CFCD-4BD2-81A8-D01B30364DF8}"/>
+                </a:ext>
+              </a:extLst>
+            </p:cNvPr>
+            <p:cNvSpPr/>
+            <p:nvPr/>
+          </p:nvSpPr>
+          <p:spPr>
+            <a:xfrm>
+              <a:off x="10202829" y="-3757"/>
+              <a:ext cx="1152412" cy="1346996"/>
+            </a:xfrm>
+            <a:custGeom>
+              <a:avLst/>
+              <a:gdLst>
+                <a:gd name="connsiteX0" fmla="*/ 1150972 w 1152412"/>
+                <a:gd name="connsiteY0" fmla="*/ 3756 h 1346996"/>
+                <a:gd name="connsiteX1" fmla="*/ 1150972 w 1152412"/>
+                <a:gd name="connsiteY1" fmla="*/ 1345745 h 1346996"/>
+                <a:gd name="connsiteX2" fmla="*/ 4322 w 1152412"/>
+                <a:gd name="connsiteY2" fmla="*/ 1345745 h 1346996"/>
+                <a:gd name="connsiteX3" fmla="*/ 4322 w 1152412"/>
+                <a:gd name="connsiteY3" fmla="*/ 3756 h 1346996"/>
+                <a:gd name="connsiteX4" fmla="*/ 79228 w 1152412"/>
+                <a:gd name="connsiteY4" fmla="*/ 3756 h 1346996"/>
+                <a:gd name="connsiteX5" fmla="*/ 79228 w 1152412"/>
+                <a:gd name="connsiteY5" fmla="*/ 1280648 h 1346996"/>
+                <a:gd name="connsiteX6" fmla="*/ 1076065 w 1152412"/>
+                <a:gd name="connsiteY6" fmla="*/ 1280648 h 1346996"/>
+                <a:gd name="connsiteX7" fmla="*/ 1076065 w 1152412"/>
+                <a:gd name="connsiteY7" fmla="*/ 3756 h 1346996"/>
+                <a:gd name="connsiteX8" fmla="*/ 1150972 w 1152412"/>
+                <a:gd name="connsiteY8" fmla="*/ 3756 h 1346996"/>
+              </a:gdLst>
+              <a:ahLst/>
+              <a:cxnLst>
+                <a:cxn ang="0">
+                  <a:pos x="connsiteX0" y="connsiteY0"/>
+                </a:cxn>
+                <a:cxn ang="0">
+                  <a:pos x="connsiteX1" y="connsiteY1"/>
+                </a:cxn>
+                <a:cxn ang="0">
+                  <a:pos x="connsiteX2" y="connsiteY2"/>
+                </a:cxn>
+                <a:cxn ang="0">
+                  <a:pos x="connsiteX3" y="connsiteY3"/>
+                </a:cxn>
+                <a:cxn ang="0">
+                  <a:pos x="connsiteX4" y="connsiteY4"/>
+                </a:cxn>
+                <a:cxn ang="0">
+                  <a:pos x="connsiteX5" y="connsiteY5"/>
+                </a:cxn>
+                <a:cxn ang="0">
+                  <a:pos x="connsiteX6" y="connsiteY6"/>
+                </a:cxn>
+                <a:cxn ang="0">
+                  <a:pos x="connsiteX7" y="connsiteY7"/>
+                </a:cxn>
+                <a:cxn ang="0">
+                  <a:pos x="connsiteX8" y="connsiteY8"/>
+                </a:cxn>
+              </a:cxnLst>
+              <a:rect l="l" t="t" r="r" b="b"/>
+              <a:pathLst>
+                <a:path w="1152412" h="1346996">
+                  <a:moveTo>
+                    <a:pt x="1150972" y="3756"/>
+                  </a:moveTo>
+                  <a:lnTo>
+                    <a:pt x="1150972" y="1345745"/>
+                  </a:lnTo>
+                  <a:lnTo>
+                    <a:pt x="4322" y="1345745"/>
+                  </a:lnTo>
+                  <a:lnTo>
+                    <a:pt x="4322" y="3756"/>
+                  </a:lnTo>
+                  <a:lnTo>
+                    <a:pt x="79228" y="3756"/>
+                  </a:lnTo>
+                  <a:lnTo>
+                    <a:pt x="79228" y="1280648"/>
+                  </a:lnTo>
+                  <a:lnTo>
+                    <a:pt x="1076065" y="1280648"/>
+                  </a:lnTo>
+                  <a:lnTo>
+                    <a:pt x="1076065" y="3756"/>
+                  </a:lnTo>
+                  <a:lnTo>
+                    <a:pt x="1150972" y="3756"/>
+                  </a:lnTo>
+                  <a:close/>
+                </a:path>
+              </a:pathLst>
+            </a:custGeom>
+            <a:solidFill>
+              <a:srgbClr val="FFFFFF"/>
+            </a:solidFill>
+            <a:ln w="9525" cap="flat">
+              <a:noFill/>
+              <a:prstDash val="solid"/>
+              <a:miter/>
+            </a:ln>
+          </p:spPr>
+          <p:txBody>
+            <a:bodyPr rtlCol="0" anchor="ctr"/>
+            <a:lstStyle/>
+            <a:p>
+              <a:endParaRPr lang="en-US"/>
+            </a:p>
+          </p:txBody>
+        </p:sp>
+        <p:sp>
+          <p:nvSpPr>
+            <p:cNvPr id="12" name="Freeform: Shape 11">
+              <a:extLst>
+                <a:ext uri="{FF2B5EF4-FFF2-40B4-BE49-F238E27FC236}">
+                  <a16:creationId xmlns:a16="http://schemas.microsoft.com/office/drawing/2014/main" id="{0F81DD3F-2388-4D9A-B961-DC41D4545F3C}"/>
+                </a:ext>
+              </a:extLst>
+            </p:cNvPr>
+            <p:cNvSpPr/>
+            <p:nvPr/>
+          </p:nvSpPr>
+          <p:spPr>
+            <a:xfrm>
+              <a:off x="10277736" y="-3757"/>
+              <a:ext cx="1002598" cy="1281900"/>
+            </a:xfrm>
+            <a:custGeom>
+              <a:avLst/>
+              <a:gdLst>
+                <a:gd name="connsiteX0" fmla="*/ 1001158 w 1002598"/>
+                <a:gd name="connsiteY0" fmla="*/ 3756 h 1281899"/>
+                <a:gd name="connsiteX1" fmla="*/ 1001158 w 1002598"/>
+                <a:gd name="connsiteY1" fmla="*/ 1280648 h 1281899"/>
+                <a:gd name="connsiteX2" fmla="*/ 4322 w 1002598"/>
+                <a:gd name="connsiteY2" fmla="*/ 1280648 h 1281899"/>
+                <a:gd name="connsiteX3" fmla="*/ 4322 w 1002598"/>
+                <a:gd name="connsiteY3" fmla="*/ 3756 h 1281899"/>
+                <a:gd name="connsiteX4" fmla="*/ 67704 w 1002598"/>
+                <a:gd name="connsiteY4" fmla="*/ 3756 h 1281899"/>
+                <a:gd name="connsiteX5" fmla="*/ 67704 w 1002598"/>
+                <a:gd name="connsiteY5" fmla="*/ 1220910 h 1281899"/>
+                <a:gd name="connsiteX6" fmla="*/ 937775 w 1002598"/>
+                <a:gd name="connsiteY6" fmla="*/ 1220910 h 1281899"/>
+                <a:gd name="connsiteX7" fmla="*/ 937775 w 1002598"/>
+                <a:gd name="connsiteY7" fmla="*/ 3756 h 1281899"/>
+                <a:gd name="connsiteX8" fmla="*/ 1001158 w 1002598"/>
+                <a:gd name="connsiteY8" fmla="*/ 3756 h 1281899"/>
+              </a:gdLst>
+              <a:ahLst/>
+              <a:cxnLst>
+                <a:cxn ang="0">
+                  <a:pos x="connsiteX0" y="connsiteY0"/>
+                </a:cxn>
+                <a:cxn ang="0">
+                  <a:pos x="connsiteX1" y="connsiteY1"/>
+                </a:cxn>
+                <a:cxn ang="0">
+                  <a:pos x="connsiteX2" y="connsiteY2"/>
+                </a:cxn>
+                <a:cxn ang="0">
+                  <a:pos x="connsiteX3" y="connsiteY3"/>
+                </a:cxn>
+                <a:cxn ang="0">
+                  <a:pos x="connsiteX4" y="connsiteY4"/>
+                </a:cxn>
+                <a:cxn ang="0">
+                  <a:pos x="connsiteX5" y="connsiteY5"/>
+                </a:cxn>
+                <a:cxn ang="0">
+                  <a:pos x="connsiteX6" y="connsiteY6"/>
+                </a:cxn>
+                <a:cxn ang="0">
+                  <a:pos x="connsiteX7" y="connsiteY7"/>
+                </a:cxn>
+                <a:cxn ang="0">
+                  <a:pos x="connsiteX8" y="connsiteY8"/>
+                </a:cxn>
+              </a:cxnLst>
+              <a:rect l="l" t="t" r="r" b="b"/>
+              <a:pathLst>
+                <a:path w="1002598" h="1281899">
+                  <a:moveTo>
+                    <a:pt x="1001158" y="3756"/>
+                  </a:moveTo>
+                  <a:lnTo>
+                    <a:pt x="1001158" y="1280648"/>
+                  </a:lnTo>
+                  <a:lnTo>
+                    <a:pt x="4322" y="1280648"/>
+                  </a:lnTo>
+                  <a:lnTo>
+                    <a:pt x="4322" y="3756"/>
+                  </a:lnTo>
+                  <a:lnTo>
+                    <a:pt x="67704" y="3756"/>
+                  </a:lnTo>
+                  <a:lnTo>
+                    <a:pt x="67704" y="1220910"/>
+                  </a:lnTo>
+                  <a:lnTo>
+                    <a:pt x="937775" y="1220910"/>
+                  </a:lnTo>
+                  <a:lnTo>
+                    <a:pt x="937775" y="3756"/>
+                  </a:lnTo>
+                  <a:lnTo>
+                    <a:pt x="1001158" y="3756"/>
+                  </a:lnTo>
+                  <a:close/>
+                </a:path>
+              </a:pathLst>
+            </a:custGeom>
+            <a:noFill/>
+            <a:ln w="9525" cap="flat">
+              <a:noFill/>
+              <a:prstDash val="solid"/>
+              <a:miter/>
+            </a:ln>
+          </p:spPr>
+          <p:txBody>
+            <a:bodyPr rtlCol="0" anchor="ctr"/>
+            <a:lstStyle/>
+            <a:p>
+              <a:endParaRPr lang="en-US"/>
+            </a:p>
+          </p:txBody>
+        </p:sp>
+        <p:sp>
+          <p:nvSpPr>
+            <p:cNvPr id="10" name="Freeform: Shape 9">
+              <a:extLst>
+                <a:ext uri="{FF2B5EF4-FFF2-40B4-BE49-F238E27FC236}">
+                  <a16:creationId xmlns:a16="http://schemas.microsoft.com/office/drawing/2014/main" id="{0929DE45-A038-4C97-B821-DE70F9B15865}"/>
+                </a:ext>
+              </a:extLst>
+            </p:cNvPr>
+            <p:cNvSpPr/>
+            <p:nvPr/>
+          </p:nvSpPr>
+          <p:spPr>
+            <a:xfrm>
+              <a:off x="10341119" y="-3757"/>
+              <a:ext cx="875833" cy="1221811"/>
+            </a:xfrm>
+            <a:custGeom>
+              <a:avLst/>
+              <a:gdLst>
+                <a:gd name="connsiteX0" fmla="*/ 4322 w 875833"/>
+                <a:gd name="connsiteY0" fmla="*/ 3756 h 1221810"/>
+                <a:gd name="connsiteX1" fmla="*/ 874393 w 875833"/>
+                <a:gd name="connsiteY1" fmla="*/ 3756 h 1221810"/>
+                <a:gd name="connsiteX2" fmla="*/ 874393 w 875833"/>
+                <a:gd name="connsiteY2" fmla="*/ 1220910 h 1221810"/>
+                <a:gd name="connsiteX3" fmla="*/ 4322 w 875833"/>
+                <a:gd name="connsiteY3" fmla="*/ 1220910 h 1221810"/>
+              </a:gdLst>
+              <a:ahLst/>
+              <a:cxnLst>
+                <a:cxn ang="0">
+                  <a:pos x="connsiteX0" y="connsiteY0"/>
+                </a:cxn>
+                <a:cxn ang="0">
+                  <a:pos x="connsiteX1" y="connsiteY1"/>
+                </a:cxn>
+                <a:cxn ang="0">
+                  <a:pos x="connsiteX2" y="connsiteY2"/>
+                </a:cxn>
+                <a:cxn ang="0">
+                  <a:pos x="connsiteX3" y="connsiteY3"/>
+                </a:cxn>
+              </a:cxnLst>
+              <a:rect l="l" t="t" r="r" b="b"/>
+              <a:pathLst>
+                <a:path w="875833" h="1221810">
+                  <a:moveTo>
+                    <a:pt x="4322" y="3756"/>
+                  </a:moveTo>
+                  <a:lnTo>
+                    <a:pt x="874393" y="3756"/>
+                  </a:lnTo>
+                  <a:lnTo>
+                    <a:pt x="874393" y="1220910"/>
+                  </a:lnTo>
+                  <a:lnTo>
+                    <a:pt x="4322" y="1220910"/>
+                  </a:lnTo>
+                  <a:close/>
+                </a:path>
+              </a:pathLst>
+            </a:custGeom>
+            <a:solidFill>
+              <a:srgbClr val="FFFFFF"/>
+            </a:solidFill>
+            <a:ln w="9525" cap="flat">
+              <a:noFill/>
+              <a:prstDash val="solid"/>
+              <a:miter/>
+            </a:ln>
+          </p:spPr>
+          <p:txBody>
+            <a:bodyPr rtlCol="0" anchor="ctr"/>
+            <a:lstStyle/>
+            <a:p>
+              <a:endParaRPr lang="en-US">
+                <a:solidFill>
+                  <a:srgbClr val="FF0000"/>
+                </a:solidFill>
+              </a:endParaRPr>
+            </a:p>
+          </p:txBody>
+        </p:sp>
+      </p:grpSp>
+      <p:sp>
+        <p:nvSpPr>
+          <p:cNvPr id="27" name="Rectangle 26">
+            <a:extLst>
+              <a:ext uri="{FF2B5EF4-FFF2-40B4-BE49-F238E27FC236}">
+                <a16:creationId xmlns:a16="http://schemas.microsoft.com/office/drawing/2014/main" id="{6D5BB04B-36BB-426A-9560-CAF7916F0223}"/>
+              </a:ext>
+            </a:extLst>
+          </p:cNvPr>
+          <p:cNvSpPr/>
+          <p:nvPr/>
+        </p:nvSpPr>
+        <p:spPr>
+          <a:xfrm>
+            <a:off x="3597127" y="2151318"/>
+            <a:ext cx="7756674" cy="459148"/>
+          </a:xfrm>
+          <a:prstGeom prst="rect">
+            <a:avLst/>
+          </a:prstGeom>
+          <a:solidFill>
+            <a:schemeClr val="bg1"/>
+          </a:solidFill>
+          <a:ln>
+            <a:noFill/>
+          </a:ln>
+        </p:spPr>
+        <p:style>
+          <a:lnRef idx="2">
+            <a:schemeClr val="accent1">
+              <a:shade val="50000"/>
+            </a:schemeClr>
+          </a:lnRef>
+          <a:fillRef idx="1">
+            <a:schemeClr val="accent1"/>
+          </a:fillRef>
+          <a:effectRef idx="0">
+            <a:schemeClr val="accent1"/>
+          </a:effectRef>
+          <a:fontRef idx="minor">
+            <a:schemeClr val="lt1"/>
+          </a:fontRef>
+        </p:style>
+        <p:txBody>
+          <a:bodyPr rtlCol="0" anchor="ctr"/>
+          <a:lstStyle/>
+          <a:p>
+            <a:pPr algn="ctr"/>
             <a:endParaRPr lang="en-US"/>
           </a:p>
         </p:txBody>
       </p:sp>
       <p:sp>
         <p:nvSpPr>
-          <p:cNvPr id="3" name="Content Placeholder 2">
-            <a:extLst>
-              <a:ext uri="{FF2B5EF4-FFF2-40B4-BE49-F238E27FC236}">
-                <a16:creationId xmlns:a16="http://schemas.microsoft.com/office/drawing/2014/main" id="{8A3104A4-287B-45FB-A7D5-8FE48670F38A}"/>
+          <p:cNvPr id="28" name="Rectangle 27">
+            <a:extLst>
+              <a:ext uri="{FF2B5EF4-FFF2-40B4-BE49-F238E27FC236}">
+                <a16:creationId xmlns:a16="http://schemas.microsoft.com/office/drawing/2014/main" id="{8C086F22-093E-48DD-8C5D-58C648B72564}"/>
+              </a:ext>
+            </a:extLst>
+          </p:cNvPr>
+          <p:cNvSpPr/>
+          <p:nvPr/>
+        </p:nvSpPr>
+        <p:spPr>
+          <a:xfrm>
+            <a:off x="3597127" y="1800686"/>
+            <a:ext cx="7756674" cy="1293222"/>
+          </a:xfrm>
+          <a:prstGeom prst="rect">
+            <a:avLst/>
+          </a:prstGeom>
+        </p:spPr>
+        <p:txBody>
+          <a:bodyPr vert="horz" lIns="0" tIns="45720" rIns="91440" bIns="45720" rtlCol="0" anchor="ctr">
+            <a:normAutofit/>
+          </a:bodyPr>
+          <a:lstStyle/>
+          <a:p>
+            <a:pPr>
+              <a:lnSpc>
+                <a:spcPct val="90000"/>
+              </a:lnSpc>
+              <a:spcBef>
+                <a:spcPct val="0"/>
+              </a:spcBef>
+            </a:pPr>
+            <a:r>
+              <a:rPr lang="de-DE" sz="3600" dirty="0">
+                <a:latin typeface="+mj-lt"/>
+                <a:ea typeface="+mj-ea"/>
+                <a:cs typeface="+mj-cs"/>
+              </a:rPr>
+              <a:t>Aufbau und Pflege der Datenbank </a:t>
+            </a:r>
+            <a:endParaRPr lang="de-DE" sz="4400" dirty="0">
+              <a:latin typeface="+mj-lt"/>
+              <a:ea typeface="+mj-ea"/>
+              <a:cs typeface="+mj-cs"/>
+            </a:endParaRPr>
+          </a:p>
+          <a:p>
+            <a:pPr>
+              <a:lnSpc>
+                <a:spcPct val="90000"/>
+              </a:lnSpc>
+              <a:spcBef>
+                <a:spcPct val="0"/>
+              </a:spcBef>
+            </a:pPr>
+            <a:endParaRPr lang="en-US" sz="4400" dirty="0">
+              <a:latin typeface="+mj-lt"/>
+              <a:ea typeface="+mj-ea"/>
+              <a:cs typeface="+mj-cs"/>
+            </a:endParaRPr>
+          </a:p>
+        </p:txBody>
+      </p:sp>
+      <p:sp>
+        <p:nvSpPr>
+          <p:cNvPr id="30" name="Rectangle 29">
+            <a:extLst>
+              <a:ext uri="{FF2B5EF4-FFF2-40B4-BE49-F238E27FC236}">
+                <a16:creationId xmlns:a16="http://schemas.microsoft.com/office/drawing/2014/main" id="{111F3DCE-5999-47B7-A7EF-D242BD5F1AD7}"/>
+              </a:ext>
+            </a:extLst>
+          </p:cNvPr>
+          <p:cNvSpPr/>
+          <p:nvPr/>
+        </p:nvSpPr>
+        <p:spPr>
+          <a:xfrm>
+            <a:off x="3597127" y="3302994"/>
+            <a:ext cx="7756674" cy="825951"/>
+          </a:xfrm>
+          <a:prstGeom prst="rect">
+            <a:avLst/>
+          </a:prstGeom>
+          <a:solidFill>
+            <a:schemeClr val="bg1"/>
+          </a:solidFill>
+          <a:ln>
+            <a:noFill/>
+          </a:ln>
+        </p:spPr>
+        <p:style>
+          <a:lnRef idx="2">
+            <a:schemeClr val="accent1">
+              <a:shade val="50000"/>
+            </a:schemeClr>
+          </a:lnRef>
+          <a:fillRef idx="1">
+            <a:schemeClr val="accent1"/>
+          </a:fillRef>
+          <a:effectRef idx="0">
+            <a:schemeClr val="accent1"/>
+          </a:effectRef>
+          <a:fontRef idx="minor">
+            <a:schemeClr val="lt1"/>
+          </a:fontRef>
+        </p:style>
+        <p:txBody>
+          <a:bodyPr rtlCol="0" anchor="ctr"/>
+          <a:lstStyle/>
+          <a:p>
+            <a:pPr algn="ctr"/>
+            <a:endParaRPr lang="en-US"/>
+          </a:p>
+        </p:txBody>
+      </p:sp>
+      <p:sp>
+        <p:nvSpPr>
+          <p:cNvPr id="31" name="Rectangle 30">
+            <a:extLst>
+              <a:ext uri="{FF2B5EF4-FFF2-40B4-BE49-F238E27FC236}">
+                <a16:creationId xmlns:a16="http://schemas.microsoft.com/office/drawing/2014/main" id="{A10FEA71-151D-4E46-9E0B-A3FBF63F2475}"/>
+              </a:ext>
+            </a:extLst>
+          </p:cNvPr>
+          <p:cNvSpPr/>
+          <p:nvPr/>
+        </p:nvSpPr>
+        <p:spPr>
+          <a:xfrm>
+            <a:off x="3597127" y="2937612"/>
+            <a:ext cx="7756674" cy="1883129"/>
+          </a:xfrm>
+          <a:prstGeom prst="rect">
+            <a:avLst/>
+          </a:prstGeom>
+        </p:spPr>
+        <p:txBody>
+          <a:bodyPr vert="horz" lIns="0" tIns="45720" rIns="91440" bIns="45720" rtlCol="0" anchor="ctr">
+            <a:normAutofit/>
+          </a:bodyPr>
+          <a:lstStyle/>
+          <a:p>
+            <a:pPr>
+              <a:lnSpc>
+                <a:spcPct val="90000"/>
+              </a:lnSpc>
+              <a:spcBef>
+                <a:spcPct val="0"/>
+              </a:spcBef>
+            </a:pPr>
+            <a:r>
+              <a:rPr lang="de-DE" sz="3600" dirty="0">
+                <a:latin typeface="+mj-lt"/>
+                <a:ea typeface="+mj-ea"/>
+                <a:cs typeface="+mj-cs"/>
+              </a:rPr>
+              <a:t>Verknüpfung mit der Anwendung der Reinigungsanlage</a:t>
+            </a:r>
+            <a:endParaRPr lang="de-DE" sz="4400" dirty="0">
+              <a:latin typeface="+mj-lt"/>
+              <a:ea typeface="+mj-ea"/>
+              <a:cs typeface="+mj-cs"/>
+            </a:endParaRPr>
+          </a:p>
+          <a:p>
+            <a:pPr>
+              <a:lnSpc>
+                <a:spcPct val="90000"/>
+              </a:lnSpc>
+              <a:spcBef>
+                <a:spcPct val="0"/>
+              </a:spcBef>
+            </a:pPr>
+            <a:endParaRPr lang="en-US" sz="4400" dirty="0">
+              <a:latin typeface="+mj-lt"/>
+              <a:ea typeface="+mj-ea"/>
+              <a:cs typeface="+mj-cs"/>
+            </a:endParaRPr>
+          </a:p>
+        </p:txBody>
+      </p:sp>
+      <p:sp>
+        <p:nvSpPr>
+          <p:cNvPr id="35" name="Rectangle 34">
+            <a:extLst>
+              <a:ext uri="{FF2B5EF4-FFF2-40B4-BE49-F238E27FC236}">
+                <a16:creationId xmlns:a16="http://schemas.microsoft.com/office/drawing/2014/main" id="{9D783A32-5CF6-45CC-972A-1D05C26E4B11}"/>
+              </a:ext>
+            </a:extLst>
+          </p:cNvPr>
+          <p:cNvSpPr/>
+          <p:nvPr/>
+        </p:nvSpPr>
+        <p:spPr>
+          <a:xfrm>
+            <a:off x="3597127" y="4705863"/>
+            <a:ext cx="7756674" cy="459148"/>
+          </a:xfrm>
+          <a:prstGeom prst="rect">
+            <a:avLst/>
+          </a:prstGeom>
+          <a:solidFill>
+            <a:schemeClr val="bg1"/>
+          </a:solidFill>
+          <a:ln>
+            <a:noFill/>
+          </a:ln>
+        </p:spPr>
+        <p:style>
+          <a:lnRef idx="2">
+            <a:schemeClr val="accent1">
+              <a:shade val="50000"/>
+            </a:schemeClr>
+          </a:lnRef>
+          <a:fillRef idx="1">
+            <a:schemeClr val="accent1"/>
+          </a:fillRef>
+          <a:effectRef idx="0">
+            <a:schemeClr val="accent1"/>
+          </a:effectRef>
+          <a:fontRef idx="minor">
+            <a:schemeClr val="lt1"/>
+          </a:fontRef>
+        </p:style>
+        <p:txBody>
+          <a:bodyPr rtlCol="0" anchor="ctr"/>
+          <a:lstStyle/>
+          <a:p>
+            <a:pPr algn="ctr"/>
+            <a:endParaRPr lang="en-US"/>
+          </a:p>
+        </p:txBody>
+      </p:sp>
+      <p:sp>
+        <p:nvSpPr>
+          <p:cNvPr id="36" name="Rectangle 35">
+            <a:extLst>
+              <a:ext uri="{FF2B5EF4-FFF2-40B4-BE49-F238E27FC236}">
+                <a16:creationId xmlns:a16="http://schemas.microsoft.com/office/drawing/2014/main" id="{4FEF3586-6696-4A9A-8A22-E22DA3BA2A70}"/>
+              </a:ext>
+            </a:extLst>
+          </p:cNvPr>
+          <p:cNvSpPr/>
+          <p:nvPr/>
+        </p:nvSpPr>
+        <p:spPr>
+          <a:xfrm>
+            <a:off x="3597127" y="4075018"/>
+            <a:ext cx="7756674" cy="1927575"/>
+          </a:xfrm>
+          <a:prstGeom prst="rect">
+            <a:avLst/>
+          </a:prstGeom>
+        </p:spPr>
+        <p:txBody>
+          <a:bodyPr vert="horz" lIns="0" tIns="45720" rIns="91440" bIns="45720" rtlCol="0" anchor="ctr">
+            <a:normAutofit/>
+          </a:bodyPr>
+          <a:lstStyle/>
+          <a:p>
+            <a:pPr>
+              <a:lnSpc>
+                <a:spcPct val="90000"/>
+              </a:lnSpc>
+              <a:spcBef>
+                <a:spcPct val="0"/>
+              </a:spcBef>
+            </a:pPr>
+            <a:r>
+              <a:rPr lang="de-DE" sz="3600" dirty="0">
+                <a:latin typeface="+mj-lt"/>
+                <a:ea typeface="+mj-ea"/>
+                <a:cs typeface="+mj-cs"/>
+              </a:rPr>
+              <a:t>Integration von Watson Explorer</a:t>
+            </a:r>
+            <a:endParaRPr lang="de-DE" sz="4400" dirty="0">
+              <a:latin typeface="+mj-lt"/>
+              <a:ea typeface="+mj-ea"/>
+              <a:cs typeface="+mj-cs"/>
+            </a:endParaRPr>
+          </a:p>
+          <a:p>
+            <a:pPr>
+              <a:lnSpc>
+                <a:spcPct val="90000"/>
+              </a:lnSpc>
+              <a:spcBef>
+                <a:spcPct val="0"/>
+              </a:spcBef>
+            </a:pPr>
+            <a:endParaRPr lang="en-US" sz="4400" dirty="0">
+              <a:latin typeface="+mj-lt"/>
+              <a:ea typeface="+mj-ea"/>
+              <a:cs typeface="+mj-cs"/>
+            </a:endParaRPr>
+          </a:p>
+        </p:txBody>
+      </p:sp>
+      <p:pic>
+        <p:nvPicPr>
+          <p:cNvPr id="14" name="Graphic 13">
+            <a:extLst>
+              <a:ext uri="{FF2B5EF4-FFF2-40B4-BE49-F238E27FC236}">
+                <a16:creationId xmlns:a16="http://schemas.microsoft.com/office/drawing/2014/main" id="{16F6CEB2-3D40-4241-8409-AB0B5CA4D989}"/>
+              </a:ext>
+            </a:extLst>
+          </p:cNvPr>
+          <p:cNvPicPr>
+            <a:picLocks noChangeAspect="1"/>
+          </p:cNvPicPr>
+          <p:nvPr/>
+        </p:nvPicPr>
+        <p:blipFill>
+          <a:blip r:embed="rId3">
+            <a:extLst>
+              <a:ext uri="{28A0092B-C50C-407E-A947-70E740481C1C}">
+                <a14:useLocalDpi xmlns:a14="http://schemas.microsoft.com/office/drawing/2010/main" val="0"/>
+              </a:ext>
+              <a:ext uri="{96DAC541-7B7A-43D3-8B79-37D633B846F1}">
+                <asvg:svgBlip xmlns:asvg="http://schemas.microsoft.com/office/drawing/2016/SVG/main" r:embed="rId4"/>
+              </a:ext>
+            </a:extLst>
+          </a:blip>
+          <a:stretch>
+            <a:fillRect/>
+          </a:stretch>
+        </p:blipFill>
+        <p:spPr>
+          <a:xfrm>
+            <a:off x="10487826" y="350201"/>
+            <a:ext cx="640327" cy="640327"/>
+          </a:xfrm>
+          <a:prstGeom prst="rect">
+            <a:avLst/>
+          </a:prstGeom>
+        </p:spPr>
+      </p:pic>
+      <p:pic>
+        <p:nvPicPr>
+          <p:cNvPr id="16" name="Picture 15" descr="A close up of a logo&#10;&#10;Description generated with high confidence">
+            <a:extLst>
+              <a:ext uri="{FF2B5EF4-FFF2-40B4-BE49-F238E27FC236}">
+                <a16:creationId xmlns:a16="http://schemas.microsoft.com/office/drawing/2014/main" id="{ADECEB99-166E-49CB-ACCD-D463283B68FF}"/>
+              </a:ext>
+            </a:extLst>
+          </p:cNvPr>
+          <p:cNvPicPr>
+            <a:picLocks noChangeAspect="1"/>
+          </p:cNvPicPr>
+          <p:nvPr/>
+        </p:nvPicPr>
+        <p:blipFill>
+          <a:blip r:embed="rId5">
+            <a:biLevel thresh="75000"/>
+            <a:extLst>
+              <a:ext uri="{28A0092B-C50C-407E-A947-70E740481C1C}">
+                <a14:useLocalDpi xmlns:a14="http://schemas.microsoft.com/office/drawing/2010/main" val="0"/>
+              </a:ext>
+            </a:extLst>
+          </a:blip>
+          <a:stretch>
+            <a:fillRect/>
+          </a:stretch>
+        </p:blipFill>
+        <p:spPr>
+          <a:xfrm>
+            <a:off x="445049" y="3472737"/>
+            <a:ext cx="2714967" cy="2529856"/>
+          </a:xfrm>
+          <a:prstGeom prst="rect">
+            <a:avLst/>
+          </a:prstGeom>
+        </p:spPr>
+      </p:pic>
+    </p:spTree>
+    <p:extLst>
+      <p:ext uri="{BB962C8B-B14F-4D97-AF65-F5344CB8AC3E}">
+        <p14:creationId xmlns:p14="http://schemas.microsoft.com/office/powerpoint/2010/main" val="515547733"/>
+      </p:ext>
+    </p:extLst>
+  </p:cSld>
+  <p:clrMapOvr>
+    <a:masterClrMapping/>
+  </p:clrMapOvr>
+  <p:transition spd="slow">
+    <p:push dir="u"/>
+  </p:transition>
+</p:sld>
+</file>
+
+<file path=ppt/slides/slide14.xml><?xml version="1.0" encoding="utf-8"?>
+<p:sld xmlns:a="http://schemas.openxmlformats.org/drawingml/2006/main" xmlns:r="http://schemas.openxmlformats.org/officeDocument/2006/relationships" xmlns:p="http://schemas.openxmlformats.org/presentationml/2006/main">
+  <p:cSld>
+    <p:spTree>
+      <p:nvGrpSpPr>
+        <p:cNvPr id="1" name=""/>
+        <p:cNvGrpSpPr/>
+        <p:nvPr/>
+      </p:nvGrpSpPr>
+      <p:grpSpPr>
+        <a:xfrm>
+          <a:off x="0" y="0"/>
+          <a:ext cx="0" cy="0"/>
+          <a:chOff x="0" y="0"/>
+          <a:chExt cx="0" cy="0"/>
+        </a:xfrm>
+      </p:grpSpPr>
+      <p:sp>
+        <p:nvSpPr>
+          <p:cNvPr id="14" name="Rectangle 13">
+            <a:extLst>
+              <a:ext uri="{FF2B5EF4-FFF2-40B4-BE49-F238E27FC236}">
+                <a16:creationId xmlns:a16="http://schemas.microsoft.com/office/drawing/2014/main" id="{2A72B452-1010-4E5E-985B-631EECAE69BD}"/>
+              </a:ext>
+            </a:extLst>
+          </p:cNvPr>
+          <p:cNvSpPr/>
+          <p:nvPr/>
+        </p:nvSpPr>
+        <p:spPr>
+          <a:xfrm>
+            <a:off x="443346" y="3059338"/>
+            <a:ext cx="11305309" cy="1049523"/>
+          </a:xfrm>
+          <a:prstGeom prst="rect">
+            <a:avLst/>
+          </a:prstGeom>
+          <a:solidFill>
+            <a:schemeClr val="bg1"/>
+          </a:solidFill>
+          <a:ln>
+            <a:noFill/>
+          </a:ln>
+        </p:spPr>
+        <p:style>
+          <a:lnRef idx="2">
+            <a:schemeClr val="accent1">
+              <a:shade val="50000"/>
+            </a:schemeClr>
+          </a:lnRef>
+          <a:fillRef idx="1">
+            <a:schemeClr val="accent1"/>
+          </a:fillRef>
+          <a:effectRef idx="0">
+            <a:schemeClr val="accent1"/>
+          </a:effectRef>
+          <a:fontRef idx="minor">
+            <a:schemeClr val="lt1"/>
+          </a:fontRef>
+        </p:style>
+        <p:txBody>
+          <a:bodyPr rtlCol="0" anchor="ctr"/>
+          <a:lstStyle/>
+          <a:p>
+            <a:pPr algn="ctr"/>
+            <a:endParaRPr lang="en-US"/>
+          </a:p>
+        </p:txBody>
+      </p:sp>
+      <p:sp>
+        <p:nvSpPr>
+          <p:cNvPr id="2" name="Title 1">
+            <a:extLst>
+              <a:ext uri="{FF2B5EF4-FFF2-40B4-BE49-F238E27FC236}">
+                <a16:creationId xmlns:a16="http://schemas.microsoft.com/office/drawing/2014/main" id="{47E6A57E-044C-4396-B328-CDDBED26E2E1}"/>
               </a:ext>
             </a:extLst>
           </p:cNvPr>
@@ -7798,7 +8762,7 @@
             <a:spLocks noGrp="1"/>
           </p:cNvSpPr>
           <p:nvPr>
-            <p:ph idx="1"/>
+            <p:ph type="ctrTitle"/>
           </p:nvPr>
         </p:nvSpPr>
         <p:spPr/>
@@ -7806,10 +8770,164 @@
           <a:bodyPr/>
           <a:lstStyle/>
           <a:p>
+            <a:r>
+              <a:rPr lang="de-DE" dirty="0"/>
+              <a:t>Fragen?</a:t>
+            </a:r>
             <a:endParaRPr lang="en-US" dirty="0"/>
           </a:p>
         </p:txBody>
       </p:sp>
+      <p:pic>
+        <p:nvPicPr>
+          <p:cNvPr id="7" name="Picture 6" descr="A picture containing clipart&#10;&#10;Description generated with high confidence">
+            <a:extLst>
+              <a:ext uri="{FF2B5EF4-FFF2-40B4-BE49-F238E27FC236}">
+                <a16:creationId xmlns:a16="http://schemas.microsoft.com/office/drawing/2014/main" id="{530D73E0-0DCD-496B-BEF4-F3267F1303A9}"/>
+              </a:ext>
+            </a:extLst>
+          </p:cNvPr>
+          <p:cNvPicPr>
+            <a:picLocks noChangeAspect="1"/>
+          </p:cNvPicPr>
+          <p:nvPr/>
+        </p:nvPicPr>
+        <p:blipFill>
+          <a:blip r:embed="rId2">
+            <a:extLst>
+              <a:ext uri="{28A0092B-C50C-407E-A947-70E740481C1C}">
+                <a14:useLocalDpi xmlns:a14="http://schemas.microsoft.com/office/drawing/2010/main" val="0"/>
+              </a:ext>
+            </a:extLst>
+          </a:blip>
+          <a:stretch>
+            <a:fillRect/>
+          </a:stretch>
+        </p:blipFill>
+        <p:spPr>
+          <a:xfrm>
+            <a:off x="1524000" y="5735636"/>
+            <a:ext cx="2109282" cy="568227"/>
+          </a:xfrm>
+          <a:prstGeom prst="rect">
+            <a:avLst/>
+          </a:prstGeom>
+        </p:spPr>
+      </p:pic>
+      <p:pic>
+        <p:nvPicPr>
+          <p:cNvPr id="11" name="Picture 10" descr="A picture containing building&#10;&#10;Description generated with high confidence">
+            <a:extLst>
+              <a:ext uri="{FF2B5EF4-FFF2-40B4-BE49-F238E27FC236}">
+                <a16:creationId xmlns:a16="http://schemas.microsoft.com/office/drawing/2014/main" id="{27A7D9CA-B38A-447C-9C24-0AC334204AB3}"/>
+              </a:ext>
+            </a:extLst>
+          </p:cNvPr>
+          <p:cNvPicPr>
+            <a:picLocks noChangeAspect="1"/>
+          </p:cNvPicPr>
+          <p:nvPr/>
+        </p:nvPicPr>
+        <p:blipFill>
+          <a:blip r:embed="rId3">
+            <a:extLst>
+              <a:ext uri="{28A0092B-C50C-407E-A947-70E740481C1C}">
+                <a14:useLocalDpi xmlns:a14="http://schemas.microsoft.com/office/drawing/2010/main" val="0"/>
+              </a:ext>
+            </a:extLst>
+          </a:blip>
+          <a:stretch>
+            <a:fillRect/>
+          </a:stretch>
+        </p:blipFill>
+        <p:spPr>
+          <a:xfrm>
+            <a:off x="5385716" y="5735636"/>
+            <a:ext cx="1420568" cy="568227"/>
+          </a:xfrm>
+          <a:prstGeom prst="rect">
+            <a:avLst/>
+          </a:prstGeom>
+        </p:spPr>
+      </p:pic>
+      <p:sp>
+        <p:nvSpPr>
+          <p:cNvPr id="12" name="TextBox 11">
+            <a:extLst>
+              <a:ext uri="{FF2B5EF4-FFF2-40B4-BE49-F238E27FC236}">
+                <a16:creationId xmlns:a16="http://schemas.microsoft.com/office/drawing/2014/main" id="{022050FB-77D9-46CA-A891-DE3C0F81610D}"/>
+              </a:ext>
+            </a:extLst>
+          </p:cNvPr>
+          <p:cNvSpPr txBox="1"/>
+          <p:nvPr/>
+        </p:nvSpPr>
+        <p:spPr>
+          <a:xfrm>
+            <a:off x="8207558" y="5472866"/>
+            <a:ext cx="2614818" cy="830997"/>
+          </a:xfrm>
+          <a:prstGeom prst="rect">
+            <a:avLst/>
+          </a:prstGeom>
+          <a:noFill/>
+        </p:spPr>
+        <p:txBody>
+          <a:bodyPr wrap="none" rtlCol="0">
+            <a:spAutoFit/>
+          </a:bodyPr>
+          <a:lstStyle/>
+          <a:p>
+            <a:r>
+              <a:rPr lang="de-DE" sz="4800" dirty="0">
+                <a:latin typeface="Ostrich Sans Rounded" panose="02000508000000020004" pitchFamily="2" charset="0"/>
+              </a:rPr>
+              <a:t>Samuel &amp; MCI</a:t>
+            </a:r>
+            <a:endParaRPr lang="en-US" sz="4800" dirty="0">
+              <a:latin typeface="Ostrich Sans Rounded" panose="02000508000000020004" pitchFamily="2" charset="0"/>
+            </a:endParaRPr>
+          </a:p>
+        </p:txBody>
+      </p:sp>
+    </p:spTree>
+    <p:extLst>
+      <p:ext uri="{BB962C8B-B14F-4D97-AF65-F5344CB8AC3E}">
+        <p14:creationId xmlns:p14="http://schemas.microsoft.com/office/powerpoint/2010/main" val="327445053"/>
+      </p:ext>
+    </p:extLst>
+  </p:cSld>
+  <p:clrMapOvr>
+    <a:masterClrMapping/>
+  </p:clrMapOvr>
+  <mc:AlternateContent xmlns:mc="http://schemas.openxmlformats.org/markup-compatibility/2006" xmlns:p14="http://schemas.microsoft.com/office/powerpoint/2010/main">
+    <mc:Choice Requires="p14">
+      <p:transition p14:dur="0"/>
+    </mc:Choice>
+    <mc:Fallback xmlns="">
+      <p:transition/>
+    </mc:Fallback>
+  </mc:AlternateContent>
+</p:sld>
+</file>
+
+<file path=ppt/slides/slide15.xml><?xml version="1.0" encoding="utf-8"?>
+<p:sld xmlns:a="http://schemas.openxmlformats.org/drawingml/2006/main" xmlns:r="http://schemas.openxmlformats.org/officeDocument/2006/relationships" xmlns:p="http://schemas.openxmlformats.org/presentationml/2006/main">
+  <p:cSld>
+    <p:spTree>
+      <p:nvGrpSpPr>
+        <p:cNvPr id="1" name=""/>
+        <p:cNvGrpSpPr/>
+        <p:nvPr/>
+      </p:nvGrpSpPr>
+      <p:grpSpPr>
+        <a:xfrm>
+          <a:off x="0" y="0"/>
+          <a:ext cx="0" cy="0"/>
+          <a:chOff x="0" y="0"/>
+          <a:chExt cx="0" cy="0"/>
+        </a:xfrm>
+      </p:grpSpPr>
     </p:spTree>
     <p:extLst>
       <p:ext uri="{BB962C8B-B14F-4D97-AF65-F5344CB8AC3E}">

--- a/Samuel_und_MCI_Präse_V1.pptx
+++ b/Samuel_und_MCI_Präse_V1.pptx
@@ -616,6 +616,187 @@
 </p:notes>
 </file>
 
+<file path=ppt/notesSlides/notesSlide10.xml><?xml version="1.0" encoding="utf-8"?>
+<p:notes xmlns:a="http://schemas.openxmlformats.org/drawingml/2006/main" xmlns:r="http://schemas.openxmlformats.org/officeDocument/2006/relationships" xmlns:p="http://schemas.openxmlformats.org/presentationml/2006/main">
+  <p:cSld>
+    <p:spTree>
+      <p:nvGrpSpPr>
+        <p:cNvPr id="1" name=""/>
+        <p:cNvGrpSpPr/>
+        <p:nvPr/>
+      </p:nvGrpSpPr>
+      <p:grpSpPr>
+        <a:xfrm>
+          <a:off x="0" y="0"/>
+          <a:ext cx="0" cy="0"/>
+          <a:chOff x="0" y="0"/>
+          <a:chExt cx="0" cy="0"/>
+        </a:xfrm>
+      </p:grpSpPr>
+      <p:sp>
+        <p:nvSpPr>
+          <p:cNvPr id="2" name="Slide Image Placeholder 1"/>
+          <p:cNvSpPr>
+            <a:spLocks noGrp="1" noRot="1" noChangeAspect="1"/>
+          </p:cNvSpPr>
+          <p:nvPr>
+            <p:ph type="sldImg"/>
+          </p:nvPr>
+        </p:nvSpPr>
+        <p:spPr/>
+      </p:sp>
+      <p:sp>
+        <p:nvSpPr>
+          <p:cNvPr id="3" name="Notes Placeholder 2"/>
+          <p:cNvSpPr>
+            <a:spLocks noGrp="1"/>
+          </p:cNvSpPr>
+          <p:nvPr>
+            <p:ph type="body" idx="1"/>
+          </p:nvPr>
+        </p:nvSpPr>
+        <p:spPr/>
+        <p:txBody>
+          <a:bodyPr/>
+          <a:lstStyle/>
+          <a:p>
+            <a:r>
+              <a:rPr lang="de-DE" dirty="0"/>
+              <a:t>Bessere Planung der verschiedenen Reinigungsprozesse</a:t>
+            </a:r>
+          </a:p>
+          <a:p>
+            <a:r>
+              <a:rPr lang="de-DE" dirty="0"/>
+              <a:t>Digitalisierung der Anmeldedaten erleichtert die Analyse der Abläufe. Vorhersagen über Auslastung können genauer getroffen werden.</a:t>
+            </a:r>
+            <a:endParaRPr lang="en-US" dirty="0"/>
+          </a:p>
+          <a:p>
+            <a:endParaRPr lang="en-US" dirty="0"/>
+          </a:p>
+        </p:txBody>
+      </p:sp>
+      <p:sp>
+        <p:nvSpPr>
+          <p:cNvPr id="4" name="Slide Number Placeholder 3"/>
+          <p:cNvSpPr>
+            <a:spLocks noGrp="1"/>
+          </p:cNvSpPr>
+          <p:nvPr>
+            <p:ph type="sldNum" sz="quarter" idx="10"/>
+          </p:nvPr>
+        </p:nvSpPr>
+        <p:spPr/>
+        <p:txBody>
+          <a:bodyPr/>
+          <a:lstStyle/>
+          <a:p>
+            <a:fld id="{D8D28462-7663-4CB5-8661-66707EB5C32E}" type="slidenum">
+              <a:rPr lang="en-US" smtClean="0"/>
+              <a:t>12</a:t>
+            </a:fld>
+            <a:endParaRPr lang="en-US"/>
+          </a:p>
+        </p:txBody>
+      </p:sp>
+    </p:spTree>
+    <p:extLst>
+      <p:ext uri="{BB962C8B-B14F-4D97-AF65-F5344CB8AC3E}">
+        <p14:creationId xmlns:p14="http://schemas.microsoft.com/office/powerpoint/2010/main" val="2687552784"/>
+      </p:ext>
+    </p:extLst>
+  </p:cSld>
+  <p:clrMapOvr>
+    <a:masterClrMapping/>
+  </p:clrMapOvr>
+</p:notes>
+</file>
+
+<file path=ppt/notesSlides/notesSlide11.xml><?xml version="1.0" encoding="utf-8"?>
+<p:notes xmlns:a="http://schemas.openxmlformats.org/drawingml/2006/main" xmlns:r="http://schemas.openxmlformats.org/officeDocument/2006/relationships" xmlns:p="http://schemas.openxmlformats.org/presentationml/2006/main">
+  <p:cSld>
+    <p:spTree>
+      <p:nvGrpSpPr>
+        <p:cNvPr id="1" name=""/>
+        <p:cNvGrpSpPr/>
+        <p:nvPr/>
+      </p:nvGrpSpPr>
+      <p:grpSpPr>
+        <a:xfrm>
+          <a:off x="0" y="0"/>
+          <a:ext cx="0" cy="0"/>
+          <a:chOff x="0" y="0"/>
+          <a:chExt cx="0" cy="0"/>
+        </a:xfrm>
+      </p:grpSpPr>
+      <p:sp>
+        <p:nvSpPr>
+          <p:cNvPr id="2" name="Slide Image Placeholder 1"/>
+          <p:cNvSpPr>
+            <a:spLocks noGrp="1" noRot="1" noChangeAspect="1"/>
+          </p:cNvSpPr>
+          <p:nvPr>
+            <p:ph type="sldImg"/>
+          </p:nvPr>
+        </p:nvSpPr>
+        <p:spPr/>
+      </p:sp>
+      <p:sp>
+        <p:nvSpPr>
+          <p:cNvPr id="3" name="Notes Placeholder 2"/>
+          <p:cNvSpPr>
+            <a:spLocks noGrp="1"/>
+          </p:cNvSpPr>
+          <p:nvPr>
+            <p:ph type="body" idx="1"/>
+          </p:nvPr>
+        </p:nvSpPr>
+        <p:spPr/>
+        <p:txBody>
+          <a:bodyPr/>
+          <a:lstStyle/>
+          <a:p>
+            <a:endParaRPr lang="en-US" dirty="0"/>
+          </a:p>
+        </p:txBody>
+      </p:sp>
+      <p:sp>
+        <p:nvSpPr>
+          <p:cNvPr id="4" name="Slide Number Placeholder 3"/>
+          <p:cNvSpPr>
+            <a:spLocks noGrp="1"/>
+          </p:cNvSpPr>
+          <p:nvPr>
+            <p:ph type="sldNum" sz="quarter" idx="10"/>
+          </p:nvPr>
+        </p:nvSpPr>
+        <p:spPr/>
+        <p:txBody>
+          <a:bodyPr/>
+          <a:lstStyle/>
+          <a:p>
+            <a:fld id="{D8D28462-7663-4CB5-8661-66707EB5C32E}" type="slidenum">
+              <a:rPr lang="en-US" smtClean="0"/>
+              <a:t>13</a:t>
+            </a:fld>
+            <a:endParaRPr lang="en-US"/>
+          </a:p>
+        </p:txBody>
+      </p:sp>
+    </p:spTree>
+    <p:extLst>
+      <p:ext uri="{BB962C8B-B14F-4D97-AF65-F5344CB8AC3E}">
+        <p14:creationId xmlns:p14="http://schemas.microsoft.com/office/powerpoint/2010/main" val="1249740881"/>
+      </p:ext>
+    </p:extLst>
+  </p:cSld>
+  <p:clrMapOvr>
+    <a:masterClrMapping/>
+  </p:clrMapOvr>
+</p:notes>
+</file>
+
 <file path=ppt/notesSlides/notesSlide2.xml><?xml version="1.0" encoding="utf-8"?>
 <p:notes xmlns:a="http://schemas.openxmlformats.org/drawingml/2006/main" xmlns:r="http://schemas.openxmlformats.org/officeDocument/2006/relationships" xmlns:p="http://schemas.openxmlformats.org/presentationml/2006/main">
   <p:cSld>
@@ -1120,68 +1301,16 @@
           <a:bodyPr/>
           <a:lstStyle/>
           <a:p>
-            <a:pPr marL="0" indent="0">
-              <a:buNone/>
-            </a:pPr>
             <a:r>
               <a:rPr lang="de-DE" dirty="0"/>
-              <a:t>Wir haben jetzt folgende Probleme des Fahrers gelöst:</a:t>
+              <a:t>Wie sieht das ganze in der Anwendung aus?</a:t>
             </a:r>
           </a:p>
           <a:p>
-            <a:pPr marL="0" indent="0">
-              <a:buNone/>
-            </a:pPr>
             <a:r>
               <a:rPr lang="de-DE" dirty="0"/>
-              <a:t>Wartezeit nutzen</a:t>
+              <a:t>Der Disponent nutzt sie auf dem Desktop im Büro, der Fahrer mit Smartphone von unterwegs und diejenigen ohne fahren zur Reinigungsanlage und melden sich auf einem Terminal vor Ort an.</a:t>
             </a:r>
-          </a:p>
-          <a:p>
-            <a:pPr marL="0" indent="0">
-              <a:buNone/>
-            </a:pPr>
-            <a:r>
-              <a:rPr lang="de-DE" dirty="0"/>
-              <a:t>Planung der Weiterfahrt</a:t>
-            </a:r>
-          </a:p>
-          <a:p>
-            <a:pPr marL="0" indent="0">
-              <a:buNone/>
-            </a:pPr>
-            <a:r>
-              <a:rPr lang="de-DE" dirty="0"/>
-              <a:t>Speicherung der Daten für zukünftige Anmeldungen</a:t>
-            </a:r>
-          </a:p>
-          <a:p>
-            <a:pPr marL="0" indent="0">
-              <a:buNone/>
-            </a:pPr>
-            <a:r>
-              <a:rPr lang="de-DE" dirty="0"/>
-              <a:t>(Je mehr Details wir zu den spezifischen Tanks in der Datenbank speichern, desto nutzerfreundlicher können wir die Anwendung gestalten -&gt; </a:t>
-            </a:r>
-            <a:r>
-              <a:rPr lang="de-DE" dirty="0" err="1"/>
-              <a:t>Prefill</a:t>
-            </a:r>
-            <a:r>
-              <a:rPr lang="de-DE" dirty="0"/>
-              <a:t>/</a:t>
-            </a:r>
-            <a:r>
-              <a:rPr lang="de-DE" dirty="0" err="1"/>
-              <a:t>Autofill</a:t>
-            </a:r>
-            <a:r>
-              <a:rPr lang="de-DE" dirty="0"/>
-              <a:t> </a:t>
-            </a:r>
-            <a:endParaRPr lang="en-US" dirty="0"/>
-          </a:p>
-          <a:p>
             <a:endParaRPr lang="en-US" dirty="0"/>
           </a:p>
         </p:txBody>
@@ -1203,7 +1332,7 @@
           <a:p>
             <a:fld id="{D8D28462-7663-4CB5-8661-66707EB5C32E}" type="slidenum">
               <a:rPr lang="en-US" smtClean="0"/>
-              <a:t>11</a:t>
+              <a:t>8</a:t>
             </a:fld>
             <a:endParaRPr lang="en-US"/>
           </a:p>
@@ -1212,7 +1341,7 @@
     </p:spTree>
     <p:extLst>
       <p:ext uri="{BB962C8B-B14F-4D97-AF65-F5344CB8AC3E}">
-        <p14:creationId xmlns:p14="http://schemas.microsoft.com/office/powerpoint/2010/main" val="3330325641"/>
+        <p14:creationId xmlns:p14="http://schemas.microsoft.com/office/powerpoint/2010/main" val="2305973686"/>
       </p:ext>
     </p:extLst>
   </p:cSld>
@@ -1268,15 +1397,8 @@
           <a:p>
             <a:r>
               <a:rPr lang="de-DE" dirty="0"/>
-              <a:t>Bessere Planung der verschiedenen Reinigungsprozesse</a:t>
+              <a:t>„Ah, ich glaub ich hab eben den Harry gesehen. Vielleicht hat er kurz Zeit, uns zu zeigen, wie er die App nutzt</a:t>
             </a:r>
-          </a:p>
-          <a:p>
-            <a:r>
-              <a:rPr lang="de-DE" dirty="0"/>
-              <a:t>Digitalisierung der Anmeldedaten erleichtert die Analyse der Abläufe. Vorhersagen über Auslastung können genauer getroffen werden.</a:t>
-            </a:r>
-            <a:endParaRPr lang="en-US" dirty="0"/>
           </a:p>
           <a:p>
             <a:endParaRPr lang="en-US" dirty="0"/>
@@ -1300,7 +1422,7 @@
           <a:p>
             <a:fld id="{D8D28462-7663-4CB5-8661-66707EB5C32E}" type="slidenum">
               <a:rPr lang="en-US" smtClean="0"/>
-              <a:t>12</a:t>
+              <a:t>9</a:t>
             </a:fld>
             <a:endParaRPr lang="en-US"/>
           </a:p>
@@ -1309,7 +1431,7 @@
     </p:spTree>
     <p:extLst>
       <p:ext uri="{BB962C8B-B14F-4D97-AF65-F5344CB8AC3E}">
-        <p14:creationId xmlns:p14="http://schemas.microsoft.com/office/powerpoint/2010/main" val="2687552784"/>
+        <p14:creationId xmlns:p14="http://schemas.microsoft.com/office/powerpoint/2010/main" val="2147489252"/>
       </p:ext>
     </p:extLst>
   </p:cSld>
@@ -1363,6 +1485,27 @@
           <a:bodyPr/>
           <a:lstStyle/>
           <a:p>
+            <a:r>
+              <a:rPr lang="de-DE" dirty="0"/>
+              <a:t>Screenshots der Anwendung vorausgefüllt</a:t>
+            </a:r>
+          </a:p>
+          <a:p>
+            <a:endParaRPr lang="de-DE" dirty="0"/>
+          </a:p>
+          <a:p>
+            <a:r>
+              <a:rPr lang="de-DE" dirty="0"/>
+              <a:t>Abschluss.</a:t>
+            </a:r>
+          </a:p>
+          <a:p>
+            <a:r>
+              <a:rPr lang="de-DE" dirty="0"/>
+              <a:t>„So, muss dann auch wieder los“</a:t>
+            </a:r>
+          </a:p>
+          <a:p>
             <a:endParaRPr lang="en-US" dirty="0"/>
           </a:p>
         </p:txBody>
@@ -1384,7 +1527,7 @@
           <a:p>
             <a:fld id="{D8D28462-7663-4CB5-8661-66707EB5C32E}" type="slidenum">
               <a:rPr lang="en-US" smtClean="0"/>
-              <a:t>13</a:t>
+              <a:t>10</a:t>
             </a:fld>
             <a:endParaRPr lang="en-US"/>
           </a:p>
@@ -1393,7 +1536,153 @@
     </p:spTree>
     <p:extLst>
       <p:ext uri="{BB962C8B-B14F-4D97-AF65-F5344CB8AC3E}">
-        <p14:creationId xmlns:p14="http://schemas.microsoft.com/office/powerpoint/2010/main" val="1249740881"/>
+        <p14:creationId xmlns:p14="http://schemas.microsoft.com/office/powerpoint/2010/main" val="2247650553"/>
+      </p:ext>
+    </p:extLst>
+  </p:cSld>
+  <p:clrMapOvr>
+    <a:masterClrMapping/>
+  </p:clrMapOvr>
+</p:notes>
+</file>
+
+<file path=ppt/notesSlides/notesSlide9.xml><?xml version="1.0" encoding="utf-8"?>
+<p:notes xmlns:a="http://schemas.openxmlformats.org/drawingml/2006/main" xmlns:r="http://schemas.openxmlformats.org/officeDocument/2006/relationships" xmlns:p="http://schemas.openxmlformats.org/presentationml/2006/main">
+  <p:cSld>
+    <p:spTree>
+      <p:nvGrpSpPr>
+        <p:cNvPr id="1" name=""/>
+        <p:cNvGrpSpPr/>
+        <p:nvPr/>
+      </p:nvGrpSpPr>
+      <p:grpSpPr>
+        <a:xfrm>
+          <a:off x="0" y="0"/>
+          <a:ext cx="0" cy="0"/>
+          <a:chOff x="0" y="0"/>
+          <a:chExt cx="0" cy="0"/>
+        </a:xfrm>
+      </p:grpSpPr>
+      <p:sp>
+        <p:nvSpPr>
+          <p:cNvPr id="2" name="Slide Image Placeholder 1"/>
+          <p:cNvSpPr>
+            <a:spLocks noGrp="1" noRot="1" noChangeAspect="1"/>
+          </p:cNvSpPr>
+          <p:nvPr>
+            <p:ph type="sldImg"/>
+          </p:nvPr>
+        </p:nvSpPr>
+        <p:spPr/>
+      </p:sp>
+      <p:sp>
+        <p:nvSpPr>
+          <p:cNvPr id="3" name="Notes Placeholder 2"/>
+          <p:cNvSpPr>
+            <a:spLocks noGrp="1"/>
+          </p:cNvSpPr>
+          <p:nvPr>
+            <p:ph type="body" idx="1"/>
+          </p:nvPr>
+        </p:nvSpPr>
+        <p:spPr/>
+        <p:txBody>
+          <a:bodyPr/>
+          <a:lstStyle/>
+          <a:p>
+            <a:pPr marL="0" indent="0">
+              <a:buNone/>
+            </a:pPr>
+            <a:r>
+              <a:rPr lang="de-DE" dirty="0"/>
+              <a:t>Wir haben jetzt folgende Probleme des Fahrers gelöst:</a:t>
+            </a:r>
+          </a:p>
+          <a:p>
+            <a:pPr marL="0" indent="0">
+              <a:buNone/>
+            </a:pPr>
+            <a:r>
+              <a:rPr lang="de-DE" dirty="0"/>
+              <a:t>Wartezeit nutzen</a:t>
+            </a:r>
+          </a:p>
+          <a:p>
+            <a:pPr marL="0" indent="0">
+              <a:buNone/>
+            </a:pPr>
+            <a:r>
+              <a:rPr lang="de-DE" dirty="0"/>
+              <a:t>Planung der Weiterfahrt</a:t>
+            </a:r>
+          </a:p>
+          <a:p>
+            <a:pPr marL="0" indent="0">
+              <a:buNone/>
+            </a:pPr>
+            <a:r>
+              <a:rPr lang="de-DE" dirty="0"/>
+              <a:t>Speicherung der Daten für zukünftige Anmeldungen</a:t>
+            </a:r>
+          </a:p>
+          <a:p>
+            <a:pPr marL="0" indent="0">
+              <a:buNone/>
+            </a:pPr>
+            <a:r>
+              <a:rPr lang="de-DE" dirty="0"/>
+              <a:t>(Je mehr Details wir zu den spezifischen Tanks in der Datenbank speichern, desto nutzerfreundlicher können wir die Anwendung gestalten -&gt; </a:t>
+            </a:r>
+            <a:r>
+              <a:rPr lang="de-DE" dirty="0" err="1"/>
+              <a:t>Prefill</a:t>
+            </a:r>
+            <a:r>
+              <a:rPr lang="de-DE" dirty="0"/>
+              <a:t>/</a:t>
+            </a:r>
+            <a:r>
+              <a:rPr lang="de-DE" dirty="0" err="1"/>
+              <a:t>Autofill</a:t>
+            </a:r>
+            <a:r>
+              <a:rPr lang="de-DE" dirty="0"/>
+              <a:t> </a:t>
+            </a:r>
+            <a:endParaRPr lang="en-US" dirty="0"/>
+          </a:p>
+          <a:p>
+            <a:endParaRPr lang="en-US" dirty="0"/>
+          </a:p>
+        </p:txBody>
+      </p:sp>
+      <p:sp>
+        <p:nvSpPr>
+          <p:cNvPr id="4" name="Slide Number Placeholder 3"/>
+          <p:cNvSpPr>
+            <a:spLocks noGrp="1"/>
+          </p:cNvSpPr>
+          <p:nvPr>
+            <p:ph type="sldNum" sz="quarter" idx="10"/>
+          </p:nvPr>
+        </p:nvSpPr>
+        <p:spPr/>
+        <p:txBody>
+          <a:bodyPr/>
+          <a:lstStyle/>
+          <a:p>
+            <a:fld id="{D8D28462-7663-4CB5-8661-66707EB5C32E}" type="slidenum">
+              <a:rPr lang="en-US" smtClean="0"/>
+              <a:t>11</a:t>
+            </a:fld>
+            <a:endParaRPr lang="en-US"/>
+          </a:p>
+        </p:txBody>
+      </p:sp>
+    </p:spTree>
+    <p:extLst>
+      <p:ext uri="{BB962C8B-B14F-4D97-AF65-F5344CB8AC3E}">
+        <p14:creationId xmlns:p14="http://schemas.microsoft.com/office/powerpoint/2010/main" val="3330325641"/>
       </p:ext>
     </p:extLst>
   </p:cSld>
@@ -4942,7 +5231,7 @@
 </file>
 
 <file path=ppt/slides/slide10.xml><?xml version="1.0" encoding="utf-8"?>
-<p:sld xmlns:a="http://schemas.openxmlformats.org/drawingml/2006/main" xmlns:r="http://schemas.openxmlformats.org/officeDocument/2006/relationships" xmlns:p="http://schemas.openxmlformats.org/presentationml/2006/main">
+<p:sld xmlns:a="http://schemas.openxmlformats.org/drawingml/2006/main" xmlns:r="http://schemas.openxmlformats.org/officeDocument/2006/relationships" xmlns:p="http://schemas.openxmlformats.org/presentationml/2006/main" show="0">
   <p:cSld>
     <p:spTree>
       <p:nvGrpSpPr>
@@ -5033,7 +5322,7 @@
           <a:p>
             <a:r>
               <a:rPr lang="de-DE" dirty="0"/>
-              <a:t>Demo</a:t>
+              <a:t>Demo (Backup)</a:t>
             </a:r>
             <a:endParaRPr lang="en-US" dirty="0"/>
           </a:p>
@@ -5382,73 +5671,6 @@
           </p:txBody>
         </p:sp>
       </p:grpSp>
-      <p:sp>
-        <p:nvSpPr>
-          <p:cNvPr id="4" name="Oval 3">
-            <a:extLst>
-              <a:ext uri="{FF2B5EF4-FFF2-40B4-BE49-F238E27FC236}">
-                <a16:creationId xmlns:a16="http://schemas.microsoft.com/office/drawing/2014/main" id="{C2205061-DF51-4792-A32E-4114D5434BD8}"/>
-              </a:ext>
-            </a:extLst>
-          </p:cNvPr>
-          <p:cNvSpPr/>
-          <p:nvPr/>
-        </p:nvSpPr>
-        <p:spPr>
-          <a:xfrm>
-            <a:off x="7196447" y="0"/>
-            <a:ext cx="2861379" cy="3398296"/>
-          </a:xfrm>
-          <a:prstGeom prst="ellipse">
-            <a:avLst/>
-          </a:prstGeom>
-        </p:spPr>
-        <p:style>
-          <a:lnRef idx="2">
-            <a:schemeClr val="accent1">
-              <a:shade val="50000"/>
-            </a:schemeClr>
-          </a:lnRef>
-          <a:fillRef idx="1">
-            <a:schemeClr val="accent1"/>
-          </a:fillRef>
-          <a:effectRef idx="0">
-            <a:schemeClr val="accent1"/>
-          </a:effectRef>
-          <a:fontRef idx="minor">
-            <a:schemeClr val="lt1"/>
-          </a:fontRef>
-        </p:style>
-        <p:txBody>
-          <a:bodyPr rtlCol="0" anchor="ctr"/>
-          <a:lstStyle/>
-          <a:p>
-            <a:pPr algn="ctr"/>
-            <a:r>
-              <a:rPr lang="de-DE" dirty="0"/>
-              <a:t>Screenshots der Anwendung vorausgefüllt</a:t>
-            </a:r>
-          </a:p>
-          <a:p>
-            <a:pPr algn="ctr"/>
-            <a:endParaRPr lang="de-DE" dirty="0"/>
-          </a:p>
-          <a:p>
-            <a:pPr algn="ctr"/>
-            <a:r>
-              <a:rPr lang="de-DE" dirty="0"/>
-              <a:t>Abschluss.</a:t>
-            </a:r>
-          </a:p>
-          <a:p>
-            <a:pPr algn="ctr"/>
-            <a:r>
-              <a:rPr lang="de-DE" dirty="0"/>
-              <a:t>„So, muss dann auch wieder los“</a:t>
-            </a:r>
-          </a:p>
-        </p:txBody>
-      </p:sp>
       <p:pic>
         <p:nvPicPr>
           <p:cNvPr id="14" name="Graphic 13">
@@ -5464,13 +5686,13 @@
           <p:nvPr/>
         </p:nvPicPr>
         <p:blipFill>
-          <a:blip r:embed="rId2">
+          <a:blip r:embed="rId3">
             <a:extLst>
               <a:ext uri="{28A0092B-C50C-407E-A947-70E740481C1C}">
                 <a14:useLocalDpi xmlns:a14="http://schemas.microsoft.com/office/drawing/2010/main" val="0"/>
               </a:ext>
               <a:ext uri="{96DAC541-7B7A-43D3-8B79-37D633B846F1}">
-                <asvg:svgBlip xmlns:asvg="http://schemas.microsoft.com/office/drawing/2016/SVG/main" r:embed="rId3"/>
+                <asvg:svgBlip xmlns:asvg="http://schemas.microsoft.com/office/drawing/2016/SVG/main" r:embed="rId4"/>
               </a:ext>
             </a:extLst>
           </a:blip>
@@ -8354,10 +8576,10 @@
       </p:sp>
       <p:sp>
         <p:nvSpPr>
-          <p:cNvPr id="30" name="Rectangle 29">
-            <a:extLst>
-              <a:ext uri="{FF2B5EF4-FFF2-40B4-BE49-F238E27FC236}">
-                <a16:creationId xmlns:a16="http://schemas.microsoft.com/office/drawing/2014/main" id="{111F3DCE-5999-47B7-A7EF-D242BD5F1AD7}"/>
+          <p:cNvPr id="35" name="Rectangle 34">
+            <a:extLst>
+              <a:ext uri="{FF2B5EF4-FFF2-40B4-BE49-F238E27FC236}">
+                <a16:creationId xmlns:a16="http://schemas.microsoft.com/office/drawing/2014/main" id="{9D783A32-5CF6-45CC-972A-1D05C26E4B11}"/>
               </a:ext>
             </a:extLst>
           </p:cNvPr>
@@ -8366,7 +8588,201 @@
         </p:nvSpPr>
         <p:spPr>
           <a:xfrm>
-            <a:off x="3597127" y="3302994"/>
+            <a:off x="3597127" y="3054052"/>
+            <a:ext cx="7756674" cy="459148"/>
+          </a:xfrm>
+          <a:prstGeom prst="rect">
+            <a:avLst/>
+          </a:prstGeom>
+          <a:solidFill>
+            <a:schemeClr val="bg1"/>
+          </a:solidFill>
+          <a:ln>
+            <a:noFill/>
+          </a:ln>
+        </p:spPr>
+        <p:style>
+          <a:lnRef idx="2">
+            <a:schemeClr val="accent1">
+              <a:shade val="50000"/>
+            </a:schemeClr>
+          </a:lnRef>
+          <a:fillRef idx="1">
+            <a:schemeClr val="accent1"/>
+          </a:fillRef>
+          <a:effectRef idx="0">
+            <a:schemeClr val="accent1"/>
+          </a:effectRef>
+          <a:fontRef idx="minor">
+            <a:schemeClr val="lt1"/>
+          </a:fontRef>
+        </p:style>
+        <p:txBody>
+          <a:bodyPr rtlCol="0" anchor="ctr"/>
+          <a:lstStyle/>
+          <a:p>
+            <a:pPr algn="ctr"/>
+            <a:endParaRPr lang="en-US"/>
+          </a:p>
+        </p:txBody>
+      </p:sp>
+      <p:sp>
+        <p:nvSpPr>
+          <p:cNvPr id="36" name="Rectangle 35">
+            <a:extLst>
+              <a:ext uri="{FF2B5EF4-FFF2-40B4-BE49-F238E27FC236}">
+                <a16:creationId xmlns:a16="http://schemas.microsoft.com/office/drawing/2014/main" id="{4FEF3586-6696-4A9A-8A22-E22DA3BA2A70}"/>
+              </a:ext>
+            </a:extLst>
+          </p:cNvPr>
+          <p:cNvSpPr/>
+          <p:nvPr/>
+        </p:nvSpPr>
+        <p:spPr>
+          <a:xfrm>
+            <a:off x="3597127" y="2423207"/>
+            <a:ext cx="7756674" cy="1927575"/>
+          </a:xfrm>
+          <a:prstGeom prst="rect">
+            <a:avLst/>
+          </a:prstGeom>
+        </p:spPr>
+        <p:txBody>
+          <a:bodyPr vert="horz" lIns="0" tIns="45720" rIns="91440" bIns="45720" rtlCol="0" anchor="ctr">
+            <a:normAutofit/>
+          </a:bodyPr>
+          <a:lstStyle/>
+          <a:p>
+            <a:pPr>
+              <a:lnSpc>
+                <a:spcPct val="90000"/>
+              </a:lnSpc>
+              <a:spcBef>
+                <a:spcPct val="0"/>
+              </a:spcBef>
+            </a:pPr>
+            <a:r>
+              <a:rPr lang="de-DE" sz="3600" dirty="0">
+                <a:latin typeface="+mj-lt"/>
+                <a:ea typeface="+mj-ea"/>
+                <a:cs typeface="+mj-cs"/>
+              </a:rPr>
+              <a:t>Integration von Watson Explorer</a:t>
+            </a:r>
+            <a:endParaRPr lang="de-DE" sz="4400" dirty="0">
+              <a:latin typeface="+mj-lt"/>
+              <a:ea typeface="+mj-ea"/>
+              <a:cs typeface="+mj-cs"/>
+            </a:endParaRPr>
+          </a:p>
+          <a:p>
+            <a:pPr>
+              <a:lnSpc>
+                <a:spcPct val="90000"/>
+              </a:lnSpc>
+              <a:spcBef>
+                <a:spcPct val="0"/>
+              </a:spcBef>
+            </a:pPr>
+            <a:endParaRPr lang="en-US" sz="4400" dirty="0">
+              <a:latin typeface="+mj-lt"/>
+              <a:ea typeface="+mj-ea"/>
+              <a:cs typeface="+mj-cs"/>
+            </a:endParaRPr>
+          </a:p>
+        </p:txBody>
+      </p:sp>
+      <p:pic>
+        <p:nvPicPr>
+          <p:cNvPr id="14" name="Graphic 13">
+            <a:extLst>
+              <a:ext uri="{FF2B5EF4-FFF2-40B4-BE49-F238E27FC236}">
+                <a16:creationId xmlns:a16="http://schemas.microsoft.com/office/drawing/2014/main" id="{16F6CEB2-3D40-4241-8409-AB0B5CA4D989}"/>
+              </a:ext>
+            </a:extLst>
+          </p:cNvPr>
+          <p:cNvPicPr>
+            <a:picLocks noChangeAspect="1"/>
+          </p:cNvPicPr>
+          <p:nvPr/>
+        </p:nvPicPr>
+        <p:blipFill>
+          <a:blip r:embed="rId3">
+            <a:extLst>
+              <a:ext uri="{28A0092B-C50C-407E-A947-70E740481C1C}">
+                <a14:useLocalDpi xmlns:a14="http://schemas.microsoft.com/office/drawing/2010/main" val="0"/>
+              </a:ext>
+              <a:ext uri="{96DAC541-7B7A-43D3-8B79-37D633B846F1}">
+                <asvg:svgBlip xmlns:asvg="http://schemas.microsoft.com/office/drawing/2016/SVG/main" r:embed="rId4"/>
+              </a:ext>
+            </a:extLst>
+          </a:blip>
+          <a:stretch>
+            <a:fillRect/>
+          </a:stretch>
+        </p:blipFill>
+        <p:spPr>
+          <a:xfrm>
+            <a:off x="10487826" y="350201"/>
+            <a:ext cx="640327" cy="640327"/>
+          </a:xfrm>
+          <a:prstGeom prst="rect">
+            <a:avLst/>
+          </a:prstGeom>
+        </p:spPr>
+      </p:pic>
+      <p:pic>
+        <p:nvPicPr>
+          <p:cNvPr id="16" name="Picture 15" descr="A close up of a logo&#10;&#10;Description generated with high confidence">
+            <a:extLst>
+              <a:ext uri="{FF2B5EF4-FFF2-40B4-BE49-F238E27FC236}">
+                <a16:creationId xmlns:a16="http://schemas.microsoft.com/office/drawing/2014/main" id="{ADECEB99-166E-49CB-ACCD-D463283B68FF}"/>
+              </a:ext>
+            </a:extLst>
+          </p:cNvPr>
+          <p:cNvPicPr>
+            <a:picLocks noChangeAspect="1"/>
+          </p:cNvPicPr>
+          <p:nvPr/>
+        </p:nvPicPr>
+        <p:blipFill>
+          <a:blip r:embed="rId5">
+            <a:biLevel thresh="75000"/>
+            <a:extLst>
+              <a:ext uri="{28A0092B-C50C-407E-A947-70E740481C1C}">
+                <a14:useLocalDpi xmlns:a14="http://schemas.microsoft.com/office/drawing/2010/main" val="0"/>
+              </a:ext>
+            </a:extLst>
+          </a:blip>
+          <a:stretch>
+            <a:fillRect/>
+          </a:stretch>
+        </p:blipFill>
+        <p:spPr>
+          <a:xfrm>
+            <a:off x="282817" y="1820926"/>
+            <a:ext cx="2714967" cy="2529856"/>
+          </a:xfrm>
+          <a:prstGeom prst="rect">
+            <a:avLst/>
+          </a:prstGeom>
+        </p:spPr>
+      </p:pic>
+      <p:sp>
+        <p:nvSpPr>
+          <p:cNvPr id="33" name="Rectangle 32">
+            <a:extLst>
+              <a:ext uri="{FF2B5EF4-FFF2-40B4-BE49-F238E27FC236}">
+                <a16:creationId xmlns:a16="http://schemas.microsoft.com/office/drawing/2014/main" id="{DC7F2E1C-2E12-499A-AC3D-1AAF355A4A5A}"/>
+              </a:ext>
+            </a:extLst>
+          </p:cNvPr>
+          <p:cNvSpPr/>
+          <p:nvPr/>
+        </p:nvSpPr>
+        <p:spPr>
+          <a:xfrm>
+            <a:off x="3597127" y="3996162"/>
             <a:ext cx="7756674" cy="825951"/>
           </a:xfrm>
           <a:prstGeom prst="rect">
@@ -8406,10 +8822,10 @@
       </p:sp>
       <p:sp>
         <p:nvSpPr>
-          <p:cNvPr id="31" name="Rectangle 30">
-            <a:extLst>
-              <a:ext uri="{FF2B5EF4-FFF2-40B4-BE49-F238E27FC236}">
-                <a16:creationId xmlns:a16="http://schemas.microsoft.com/office/drawing/2014/main" id="{A10FEA71-151D-4E46-9E0B-A3FBF63F2475}"/>
+          <p:cNvPr id="37" name="Rectangle 36">
+            <a:extLst>
+              <a:ext uri="{FF2B5EF4-FFF2-40B4-BE49-F238E27FC236}">
+                <a16:creationId xmlns:a16="http://schemas.microsoft.com/office/drawing/2014/main" id="{BFEE5061-081C-4F58-8828-C27761CA24FE}"/>
               </a:ext>
             </a:extLst>
           </p:cNvPr>
@@ -8418,7 +8834,7 @@
         </p:nvSpPr>
         <p:spPr>
           <a:xfrm>
-            <a:off x="3597127" y="2937612"/>
+            <a:off x="3597127" y="3630780"/>
             <a:ext cx="7756674" cy="1883129"/>
           </a:xfrm>
           <a:prstGeom prst="rect">
@@ -8470,200 +8886,6 @@
           </a:p>
         </p:txBody>
       </p:sp>
-      <p:sp>
-        <p:nvSpPr>
-          <p:cNvPr id="35" name="Rectangle 34">
-            <a:extLst>
-              <a:ext uri="{FF2B5EF4-FFF2-40B4-BE49-F238E27FC236}">
-                <a16:creationId xmlns:a16="http://schemas.microsoft.com/office/drawing/2014/main" id="{9D783A32-5CF6-45CC-972A-1D05C26E4B11}"/>
-              </a:ext>
-            </a:extLst>
-          </p:cNvPr>
-          <p:cNvSpPr/>
-          <p:nvPr/>
-        </p:nvSpPr>
-        <p:spPr>
-          <a:xfrm>
-            <a:off x="3597127" y="4705863"/>
-            <a:ext cx="7756674" cy="459148"/>
-          </a:xfrm>
-          <a:prstGeom prst="rect">
-            <a:avLst/>
-          </a:prstGeom>
-          <a:solidFill>
-            <a:schemeClr val="bg1"/>
-          </a:solidFill>
-          <a:ln>
-            <a:noFill/>
-          </a:ln>
-        </p:spPr>
-        <p:style>
-          <a:lnRef idx="2">
-            <a:schemeClr val="accent1">
-              <a:shade val="50000"/>
-            </a:schemeClr>
-          </a:lnRef>
-          <a:fillRef idx="1">
-            <a:schemeClr val="accent1"/>
-          </a:fillRef>
-          <a:effectRef idx="0">
-            <a:schemeClr val="accent1"/>
-          </a:effectRef>
-          <a:fontRef idx="minor">
-            <a:schemeClr val="lt1"/>
-          </a:fontRef>
-        </p:style>
-        <p:txBody>
-          <a:bodyPr rtlCol="0" anchor="ctr"/>
-          <a:lstStyle/>
-          <a:p>
-            <a:pPr algn="ctr"/>
-            <a:endParaRPr lang="en-US"/>
-          </a:p>
-        </p:txBody>
-      </p:sp>
-      <p:sp>
-        <p:nvSpPr>
-          <p:cNvPr id="36" name="Rectangle 35">
-            <a:extLst>
-              <a:ext uri="{FF2B5EF4-FFF2-40B4-BE49-F238E27FC236}">
-                <a16:creationId xmlns:a16="http://schemas.microsoft.com/office/drawing/2014/main" id="{4FEF3586-6696-4A9A-8A22-E22DA3BA2A70}"/>
-              </a:ext>
-            </a:extLst>
-          </p:cNvPr>
-          <p:cNvSpPr/>
-          <p:nvPr/>
-        </p:nvSpPr>
-        <p:spPr>
-          <a:xfrm>
-            <a:off x="3597127" y="4075018"/>
-            <a:ext cx="7756674" cy="1927575"/>
-          </a:xfrm>
-          <a:prstGeom prst="rect">
-            <a:avLst/>
-          </a:prstGeom>
-        </p:spPr>
-        <p:txBody>
-          <a:bodyPr vert="horz" lIns="0" tIns="45720" rIns="91440" bIns="45720" rtlCol="0" anchor="ctr">
-            <a:normAutofit/>
-          </a:bodyPr>
-          <a:lstStyle/>
-          <a:p>
-            <a:pPr>
-              <a:lnSpc>
-                <a:spcPct val="90000"/>
-              </a:lnSpc>
-              <a:spcBef>
-                <a:spcPct val="0"/>
-              </a:spcBef>
-            </a:pPr>
-            <a:r>
-              <a:rPr lang="de-DE" sz="3600" dirty="0">
-                <a:latin typeface="+mj-lt"/>
-                <a:ea typeface="+mj-ea"/>
-                <a:cs typeface="+mj-cs"/>
-              </a:rPr>
-              <a:t>Integration von Watson Explorer</a:t>
-            </a:r>
-            <a:endParaRPr lang="de-DE" sz="4400" dirty="0">
-              <a:latin typeface="+mj-lt"/>
-              <a:ea typeface="+mj-ea"/>
-              <a:cs typeface="+mj-cs"/>
-            </a:endParaRPr>
-          </a:p>
-          <a:p>
-            <a:pPr>
-              <a:lnSpc>
-                <a:spcPct val="90000"/>
-              </a:lnSpc>
-              <a:spcBef>
-                <a:spcPct val="0"/>
-              </a:spcBef>
-            </a:pPr>
-            <a:endParaRPr lang="en-US" sz="4400" dirty="0">
-              <a:latin typeface="+mj-lt"/>
-              <a:ea typeface="+mj-ea"/>
-              <a:cs typeface="+mj-cs"/>
-            </a:endParaRPr>
-          </a:p>
-        </p:txBody>
-      </p:sp>
-      <p:pic>
-        <p:nvPicPr>
-          <p:cNvPr id="14" name="Graphic 13">
-            <a:extLst>
-              <a:ext uri="{FF2B5EF4-FFF2-40B4-BE49-F238E27FC236}">
-                <a16:creationId xmlns:a16="http://schemas.microsoft.com/office/drawing/2014/main" id="{16F6CEB2-3D40-4241-8409-AB0B5CA4D989}"/>
-              </a:ext>
-            </a:extLst>
-          </p:cNvPr>
-          <p:cNvPicPr>
-            <a:picLocks noChangeAspect="1"/>
-          </p:cNvPicPr>
-          <p:nvPr/>
-        </p:nvPicPr>
-        <p:blipFill>
-          <a:blip r:embed="rId3">
-            <a:extLst>
-              <a:ext uri="{28A0092B-C50C-407E-A947-70E740481C1C}">
-                <a14:useLocalDpi xmlns:a14="http://schemas.microsoft.com/office/drawing/2010/main" val="0"/>
-              </a:ext>
-              <a:ext uri="{96DAC541-7B7A-43D3-8B79-37D633B846F1}">
-                <asvg:svgBlip xmlns:asvg="http://schemas.microsoft.com/office/drawing/2016/SVG/main" r:embed="rId4"/>
-              </a:ext>
-            </a:extLst>
-          </a:blip>
-          <a:stretch>
-            <a:fillRect/>
-          </a:stretch>
-        </p:blipFill>
-        <p:spPr>
-          <a:xfrm>
-            <a:off x="10487826" y="350201"/>
-            <a:ext cx="640327" cy="640327"/>
-          </a:xfrm>
-          <a:prstGeom prst="rect">
-            <a:avLst/>
-          </a:prstGeom>
-        </p:spPr>
-      </p:pic>
-      <p:pic>
-        <p:nvPicPr>
-          <p:cNvPr id="16" name="Picture 15" descr="A close up of a logo&#10;&#10;Description generated with high confidence">
-            <a:extLst>
-              <a:ext uri="{FF2B5EF4-FFF2-40B4-BE49-F238E27FC236}">
-                <a16:creationId xmlns:a16="http://schemas.microsoft.com/office/drawing/2014/main" id="{ADECEB99-166E-49CB-ACCD-D463283B68FF}"/>
-              </a:ext>
-            </a:extLst>
-          </p:cNvPr>
-          <p:cNvPicPr>
-            <a:picLocks noChangeAspect="1"/>
-          </p:cNvPicPr>
-          <p:nvPr/>
-        </p:nvPicPr>
-        <p:blipFill>
-          <a:blip r:embed="rId5">
-            <a:biLevel thresh="75000"/>
-            <a:extLst>
-              <a:ext uri="{28A0092B-C50C-407E-A947-70E740481C1C}">
-                <a14:useLocalDpi xmlns:a14="http://schemas.microsoft.com/office/drawing/2010/main" val="0"/>
-              </a:ext>
-            </a:extLst>
-          </a:blip>
-          <a:stretch>
-            <a:fillRect/>
-          </a:stretch>
-        </p:blipFill>
-        <p:spPr>
-          <a:xfrm>
-            <a:off x="445049" y="3472737"/>
-            <a:ext cx="2714967" cy="2529856"/>
-          </a:xfrm>
-          <a:prstGeom prst="rect">
-            <a:avLst/>
-          </a:prstGeom>
-        </p:spPr>
-      </p:pic>
     </p:spTree>
     <p:extLst>
       <p:ext uri="{BB962C8B-B14F-4D97-AF65-F5344CB8AC3E}">
@@ -15013,13 +15235,13 @@
           <p:nvPr/>
         </p:nvPicPr>
         <p:blipFill>
-          <a:blip r:embed="rId2">
+          <a:blip r:embed="rId3">
             <a:extLst>
               <a:ext uri="{28A0092B-C50C-407E-A947-70E740481C1C}">
                 <a14:useLocalDpi xmlns:a14="http://schemas.microsoft.com/office/drawing/2010/main" val="0"/>
               </a:ext>
               <a:ext uri="{96DAC541-7B7A-43D3-8B79-37D633B846F1}">
-                <asvg:svgBlip xmlns:asvg="http://schemas.microsoft.com/office/drawing/2016/SVG/main" r:embed="rId3"/>
+                <asvg:svgBlip xmlns:asvg="http://schemas.microsoft.com/office/drawing/2016/SVG/main" r:embed="rId4"/>
               </a:ext>
             </a:extLst>
           </a:blip>
@@ -15072,13 +15294,13 @@
             <p:nvPr/>
           </p:nvPicPr>
           <p:blipFill>
-            <a:blip r:embed="rId4">
+            <a:blip r:embed="rId5">
               <a:extLst>
                 <a:ext uri="{28A0092B-C50C-407E-A947-70E740481C1C}">
                   <a14:useLocalDpi xmlns:a14="http://schemas.microsoft.com/office/drawing/2010/main" val="0"/>
                 </a:ext>
                 <a:ext uri="{96DAC541-7B7A-43D3-8B79-37D633B846F1}">
-                  <asvg:svgBlip xmlns:asvg="http://schemas.microsoft.com/office/drawing/2016/SVG/main" r:embed="rId5"/>
+                  <asvg:svgBlip xmlns:asvg="http://schemas.microsoft.com/office/drawing/2016/SVG/main" r:embed="rId6"/>
                 </a:ext>
               </a:extLst>
             </a:blip>
@@ -15111,13 +15333,13 @@
             <p:nvPr/>
           </p:nvPicPr>
           <p:blipFill>
-            <a:blip r:embed="rId6">
+            <a:blip r:embed="rId7">
               <a:extLst>
                 <a:ext uri="{28A0092B-C50C-407E-A947-70E740481C1C}">
                   <a14:useLocalDpi xmlns:a14="http://schemas.microsoft.com/office/drawing/2010/main" val="0"/>
                 </a:ext>
                 <a:ext uri="{96DAC541-7B7A-43D3-8B79-37D633B846F1}">
-                  <asvg:svgBlip xmlns:asvg="http://schemas.microsoft.com/office/drawing/2016/SVG/main" r:embed="rId7"/>
+                  <asvg:svgBlip xmlns:asvg="http://schemas.microsoft.com/office/drawing/2016/SVG/main" r:embed="rId8"/>
                 </a:ext>
               </a:extLst>
             </a:blip>
@@ -15150,13 +15372,13 @@
             <p:nvPr/>
           </p:nvPicPr>
           <p:blipFill>
-            <a:blip r:embed="rId8">
+            <a:blip r:embed="rId9">
               <a:extLst>
                 <a:ext uri="{28A0092B-C50C-407E-A947-70E740481C1C}">
                   <a14:useLocalDpi xmlns:a14="http://schemas.microsoft.com/office/drawing/2010/main" val="0"/>
                 </a:ext>
                 <a:ext uri="{96DAC541-7B7A-43D3-8B79-37D633B846F1}">
-                  <asvg:svgBlip xmlns:asvg="http://schemas.microsoft.com/office/drawing/2016/SVG/main" r:embed="rId9"/>
+                  <asvg:svgBlip xmlns:asvg="http://schemas.microsoft.com/office/drawing/2016/SVG/main" r:embed="rId10"/>
                 </a:ext>
               </a:extLst>
             </a:blip>
@@ -15210,13 +15432,13 @@
             <p:nvPr/>
           </p:nvPicPr>
           <p:blipFill>
-            <a:blip r:embed="rId4">
+            <a:blip r:embed="rId5">
               <a:extLst>
                 <a:ext uri="{28A0092B-C50C-407E-A947-70E740481C1C}">
                   <a14:useLocalDpi xmlns:a14="http://schemas.microsoft.com/office/drawing/2010/main" val="0"/>
                 </a:ext>
                 <a:ext uri="{96DAC541-7B7A-43D3-8B79-37D633B846F1}">
-                  <asvg:svgBlip xmlns:asvg="http://schemas.microsoft.com/office/drawing/2016/SVG/main" r:embed="rId5"/>
+                  <asvg:svgBlip xmlns:asvg="http://schemas.microsoft.com/office/drawing/2016/SVG/main" r:embed="rId6"/>
                 </a:ext>
               </a:extLst>
             </a:blip>
@@ -15249,13 +15471,13 @@
             <p:nvPr/>
           </p:nvPicPr>
           <p:blipFill>
-            <a:blip r:embed="rId6">
+            <a:blip r:embed="rId7">
               <a:extLst>
                 <a:ext uri="{28A0092B-C50C-407E-A947-70E740481C1C}">
                   <a14:useLocalDpi xmlns:a14="http://schemas.microsoft.com/office/drawing/2010/main" val="0"/>
                 </a:ext>
                 <a:ext uri="{96DAC541-7B7A-43D3-8B79-37D633B846F1}">
-                  <asvg:svgBlip xmlns:asvg="http://schemas.microsoft.com/office/drawing/2016/SVG/main" r:embed="rId7"/>
+                  <asvg:svgBlip xmlns:asvg="http://schemas.microsoft.com/office/drawing/2016/SVG/main" r:embed="rId8"/>
                 </a:ext>
               </a:extLst>
             </a:blip>
@@ -15288,13 +15510,13 @@
             <p:nvPr/>
           </p:nvPicPr>
           <p:blipFill>
-            <a:blip r:embed="rId10">
+            <a:blip r:embed="rId11">
               <a:extLst>
                 <a:ext uri="{28A0092B-C50C-407E-A947-70E740481C1C}">
                   <a14:useLocalDpi xmlns:a14="http://schemas.microsoft.com/office/drawing/2010/main" val="0"/>
                 </a:ext>
                 <a:ext uri="{96DAC541-7B7A-43D3-8B79-37D633B846F1}">
-                  <asvg:svgBlip xmlns:asvg="http://schemas.microsoft.com/office/drawing/2016/SVG/main" r:embed="rId11"/>
+                  <asvg:svgBlip xmlns:asvg="http://schemas.microsoft.com/office/drawing/2016/SVG/main" r:embed="rId12"/>
                 </a:ext>
               </a:extLst>
             </a:blip>
@@ -15328,13 +15550,13 @@
           <p:nvPr/>
         </p:nvPicPr>
         <p:blipFill>
-          <a:blip r:embed="rId12">
+          <a:blip r:embed="rId13">
             <a:extLst>
               <a:ext uri="{28A0092B-C50C-407E-A947-70E740481C1C}">
                 <a14:useLocalDpi xmlns:a14="http://schemas.microsoft.com/office/drawing/2010/main" val="0"/>
               </a:ext>
               <a:ext uri="{96DAC541-7B7A-43D3-8B79-37D633B846F1}">
-                <asvg:svgBlip xmlns:asvg="http://schemas.microsoft.com/office/drawing/2016/SVG/main" r:embed="rId13"/>
+                <asvg:svgBlip xmlns:asvg="http://schemas.microsoft.com/office/drawing/2016/SVG/main" r:embed="rId14"/>
               </a:ext>
             </a:extLst>
           </a:blip>
@@ -15352,384 +15574,143 @@
           </a:prstGeom>
         </p:spPr>
       </p:pic>
-      <p:sp>
-        <p:nvSpPr>
-          <p:cNvPr id="48" name="Rectangle 47">
-            <a:extLst>
-              <a:ext uri="{FF2B5EF4-FFF2-40B4-BE49-F238E27FC236}">
-                <a16:creationId xmlns:a16="http://schemas.microsoft.com/office/drawing/2014/main" id="{0C00D5B3-7A75-4762-99BC-1FE7FC665FD9}"/>
-              </a:ext>
-            </a:extLst>
-          </p:cNvPr>
-          <p:cNvSpPr/>
+      <p:pic>
+        <p:nvPicPr>
+          <p:cNvPr id="4" name="Picture 3" descr="A screenshot of a cell phone&#10;&#10;Description generated with very high confidence">
+            <a:extLst>
+              <a:ext uri="{FF2B5EF4-FFF2-40B4-BE49-F238E27FC236}">
+                <a16:creationId xmlns:a16="http://schemas.microsoft.com/office/drawing/2014/main" id="{80B4C6AD-D6A1-46C4-9DE0-58F2B5864825}"/>
+              </a:ext>
+            </a:extLst>
+          </p:cNvPr>
+          <p:cNvPicPr>
+            <a:picLocks noChangeAspect="1"/>
+          </p:cNvPicPr>
           <p:nvPr/>
-        </p:nvSpPr>
+        </p:nvPicPr>
+        <p:blipFill rotWithShape="1">
+          <a:blip r:embed="rId15">
+            <a:extLst>
+              <a:ext uri="{28A0092B-C50C-407E-A947-70E740481C1C}">
+                <a14:useLocalDpi xmlns:a14="http://schemas.microsoft.com/office/drawing/2010/main" val="0"/>
+              </a:ext>
+            </a:extLst>
+          </a:blip>
+          <a:srcRect b="6833"/>
+          <a:stretch/>
+        </p:blipFill>
         <p:spPr>
           <a:xfrm>
-            <a:off x="838199" y="4706926"/>
-            <a:ext cx="2743200" cy="1504336"/>
+            <a:off x="936524" y="4734735"/>
+            <a:ext cx="2546547" cy="1371933"/>
           </a:xfrm>
           <a:prstGeom prst="rect">
             <a:avLst/>
           </a:prstGeom>
-          <a:noFill/>
           <a:ln>
-            <a:solidFill>
-              <a:schemeClr val="tx1"/>
-            </a:solidFill>
+            <a:noFill/>
           </a:ln>
+          <a:effectLst>
+            <a:outerShdw blurRad="292100" dist="139700" dir="2700000" algn="tl" rotWithShape="0">
+              <a:srgbClr val="333333">
+                <a:alpha val="65000"/>
+              </a:srgbClr>
+            </a:outerShdw>
+          </a:effectLst>
         </p:spPr>
-        <p:style>
-          <a:lnRef idx="2">
-            <a:schemeClr val="accent1">
-              <a:shade val="50000"/>
-            </a:schemeClr>
-          </a:lnRef>
-          <a:fillRef idx="1">
-            <a:schemeClr val="accent1"/>
-          </a:fillRef>
-          <a:effectRef idx="0">
-            <a:schemeClr val="accent1"/>
-          </a:effectRef>
-          <a:fontRef idx="minor">
-            <a:schemeClr val="lt1"/>
-          </a:fontRef>
-        </p:style>
-        <p:txBody>
-          <a:bodyPr rtlCol="0" anchor="ctr"/>
-          <a:lstStyle/>
-          <a:p>
-            <a:pPr algn="ctr"/>
-            <a:endParaRPr lang="en-US"/>
-          </a:p>
-        </p:txBody>
-      </p:sp>
-      <p:cxnSp>
-        <p:nvCxnSpPr>
-          <p:cNvPr id="50" name="Straight Connector 49">
-            <a:extLst>
-              <a:ext uri="{FF2B5EF4-FFF2-40B4-BE49-F238E27FC236}">
-                <a16:creationId xmlns:a16="http://schemas.microsoft.com/office/drawing/2014/main" id="{FF5C7092-8817-444A-9BC3-B6D52AAF4815}"/>
-              </a:ext>
-            </a:extLst>
-          </p:cNvPr>
-          <p:cNvCxnSpPr/>
+      </p:pic>
+      <p:pic>
+        <p:nvPicPr>
+          <p:cNvPr id="13" name="Picture 12" descr="A screenshot of a cell phone&#10;&#10;Description generated with very high confidence">
+            <a:extLst>
+              <a:ext uri="{FF2B5EF4-FFF2-40B4-BE49-F238E27FC236}">
+                <a16:creationId xmlns:a16="http://schemas.microsoft.com/office/drawing/2014/main" id="{16248FD9-4741-4BA0-A141-8D5E5723A56D}"/>
+              </a:ext>
+            </a:extLst>
+          </p:cNvPr>
+          <p:cNvPicPr>
+            <a:picLocks noChangeAspect="1"/>
+          </p:cNvPicPr>
           <p:nvPr/>
-        </p:nvCxnSpPr>
+        </p:nvPicPr>
+        <p:blipFill>
+          <a:blip r:embed="rId16">
+            <a:extLst>
+              <a:ext uri="{28A0092B-C50C-407E-A947-70E740481C1C}">
+                <a14:useLocalDpi xmlns:a14="http://schemas.microsoft.com/office/drawing/2010/main" val="0"/>
+              </a:ext>
+            </a:extLst>
+          </a:blip>
+          <a:stretch>
+            <a:fillRect/>
+          </a:stretch>
+        </p:blipFill>
         <p:spPr>
           <a:xfrm>
-            <a:off x="838199" y="4706926"/>
-            <a:ext cx="2743200" cy="1504336"/>
-          </a:xfrm>
-          <a:prstGeom prst="line">
-            <a:avLst/>
-          </a:prstGeom>
-        </p:spPr>
-        <p:style>
-          <a:lnRef idx="1">
-            <a:schemeClr val="dk1"/>
-          </a:lnRef>
-          <a:fillRef idx="0">
-            <a:schemeClr val="dk1"/>
-          </a:fillRef>
-          <a:effectRef idx="0">
-            <a:schemeClr val="dk1"/>
-          </a:effectRef>
-          <a:fontRef idx="minor">
-            <a:schemeClr val="tx1"/>
-          </a:fontRef>
-        </p:style>
-      </p:cxnSp>
-      <p:cxnSp>
-        <p:nvCxnSpPr>
-          <p:cNvPr id="52" name="Straight Connector 51">
-            <a:extLst>
-              <a:ext uri="{FF2B5EF4-FFF2-40B4-BE49-F238E27FC236}">
-                <a16:creationId xmlns:a16="http://schemas.microsoft.com/office/drawing/2014/main" id="{57FC9F34-6EBF-47BB-8D39-F89E87E00455}"/>
-              </a:ext>
-            </a:extLst>
-          </p:cNvPr>
-          <p:cNvCxnSpPr/>
-          <p:nvPr/>
-        </p:nvCxnSpPr>
-        <p:spPr>
-          <a:xfrm flipH="1">
-            <a:off x="838199" y="4706926"/>
-            <a:ext cx="2743200" cy="1504336"/>
-          </a:xfrm>
-          <a:prstGeom prst="line">
-            <a:avLst/>
-          </a:prstGeom>
-        </p:spPr>
-        <p:style>
-          <a:lnRef idx="1">
-            <a:schemeClr val="dk1"/>
-          </a:lnRef>
-          <a:fillRef idx="0">
-            <a:schemeClr val="dk1"/>
-          </a:fillRef>
-          <a:effectRef idx="0">
-            <a:schemeClr val="dk1"/>
-          </a:effectRef>
-          <a:fontRef idx="minor">
-            <a:schemeClr val="tx1"/>
-          </a:fontRef>
-        </p:style>
-      </p:cxnSp>
-      <p:sp>
-        <p:nvSpPr>
-          <p:cNvPr id="53" name="Rectangle 52">
-            <a:extLst>
-              <a:ext uri="{FF2B5EF4-FFF2-40B4-BE49-F238E27FC236}">
-                <a16:creationId xmlns:a16="http://schemas.microsoft.com/office/drawing/2014/main" id="{6EFB83B5-0367-4A8E-BD89-FCD7A804DF24}"/>
-              </a:ext>
-            </a:extLst>
-          </p:cNvPr>
-          <p:cNvSpPr/>
-          <p:nvPr/>
-        </p:nvSpPr>
-        <p:spPr>
-          <a:xfrm>
-            <a:off x="5589293" y="4706926"/>
-            <a:ext cx="1013414" cy="1504336"/>
+            <a:off x="8842576" y="4734736"/>
+            <a:ext cx="1863520" cy="1124664"/>
           </a:xfrm>
           <a:prstGeom prst="rect">
             <a:avLst/>
           </a:prstGeom>
-          <a:noFill/>
           <a:ln>
-            <a:solidFill>
-              <a:schemeClr val="tx1"/>
-            </a:solidFill>
+            <a:noFill/>
           </a:ln>
+          <a:effectLst>
+            <a:outerShdw blurRad="292100" dist="139700" dir="2700000" algn="tl" rotWithShape="0">
+              <a:srgbClr val="333333">
+                <a:alpha val="65000"/>
+              </a:srgbClr>
+            </a:outerShdw>
+          </a:effectLst>
         </p:spPr>
-        <p:style>
-          <a:lnRef idx="2">
-            <a:schemeClr val="accent1">
-              <a:shade val="50000"/>
-            </a:schemeClr>
-          </a:lnRef>
-          <a:fillRef idx="1">
-            <a:schemeClr val="accent1"/>
-          </a:fillRef>
-          <a:effectRef idx="0">
-            <a:schemeClr val="accent1"/>
-          </a:effectRef>
-          <a:fontRef idx="minor">
-            <a:schemeClr val="lt1"/>
-          </a:fontRef>
-        </p:style>
-        <p:txBody>
-          <a:bodyPr rtlCol="0" anchor="ctr"/>
-          <a:lstStyle/>
-          <a:p>
-            <a:pPr algn="ctr"/>
-            <a:endParaRPr lang="en-US"/>
-          </a:p>
-        </p:txBody>
-      </p:sp>
-      <p:cxnSp>
-        <p:nvCxnSpPr>
-          <p:cNvPr id="54" name="Straight Connector 53">
-            <a:extLst>
-              <a:ext uri="{FF2B5EF4-FFF2-40B4-BE49-F238E27FC236}">
-                <a16:creationId xmlns:a16="http://schemas.microsoft.com/office/drawing/2014/main" id="{E93C18DB-F5B0-45B4-A7D5-DB5F18F2CCF8}"/>
-              </a:ext>
-            </a:extLst>
-          </p:cNvPr>
-          <p:cNvCxnSpPr>
-            <a:cxnSpLocks/>
-          </p:cNvCxnSpPr>
+      </p:pic>
+      <p:pic>
+        <p:nvPicPr>
+          <p:cNvPr id="15" name="Picture 14" descr="A screenshot of a cell phone&#10;&#10;Description generated with very high confidence">
+            <a:extLst>
+              <a:ext uri="{FF2B5EF4-FFF2-40B4-BE49-F238E27FC236}">
+                <a16:creationId xmlns:a16="http://schemas.microsoft.com/office/drawing/2014/main" id="{3B77CA04-0A1B-4B19-8F03-8A94583F9993}"/>
+              </a:ext>
+            </a:extLst>
+          </p:cNvPr>
+          <p:cNvPicPr>
+            <a:picLocks noChangeAspect="1"/>
+          </p:cNvPicPr>
           <p:nvPr/>
-        </p:nvCxnSpPr>
+        </p:nvPicPr>
+        <p:blipFill>
+          <a:blip r:embed="rId17">
+            <a:extLst>
+              <a:ext uri="{28A0092B-C50C-407E-A947-70E740481C1C}">
+                <a14:useLocalDpi xmlns:a14="http://schemas.microsoft.com/office/drawing/2010/main" val="0"/>
+              </a:ext>
+            </a:extLst>
+          </a:blip>
+          <a:stretch>
+            <a:fillRect/>
+          </a:stretch>
+        </p:blipFill>
         <p:spPr>
           <a:xfrm>
-            <a:off x="5589293" y="4706926"/>
-            <a:ext cx="1013414" cy="1504336"/>
-          </a:xfrm>
-          <a:prstGeom prst="line">
-            <a:avLst/>
-          </a:prstGeom>
-        </p:spPr>
-        <p:style>
-          <a:lnRef idx="1">
-            <a:schemeClr val="dk1"/>
-          </a:lnRef>
-          <a:fillRef idx="0">
-            <a:schemeClr val="dk1"/>
-          </a:fillRef>
-          <a:effectRef idx="0">
-            <a:schemeClr val="dk1"/>
-          </a:effectRef>
-          <a:fontRef idx="minor">
-            <a:schemeClr val="tx1"/>
-          </a:fontRef>
-        </p:style>
-      </p:cxnSp>
-      <p:cxnSp>
-        <p:nvCxnSpPr>
-          <p:cNvPr id="55" name="Straight Connector 54">
-            <a:extLst>
-              <a:ext uri="{FF2B5EF4-FFF2-40B4-BE49-F238E27FC236}">
-                <a16:creationId xmlns:a16="http://schemas.microsoft.com/office/drawing/2014/main" id="{8D7B3C1D-5D05-4560-B02A-9F0CD07DA4A0}"/>
-              </a:ext>
-            </a:extLst>
-          </p:cNvPr>
-          <p:cNvCxnSpPr>
-            <a:cxnSpLocks/>
-          </p:cNvCxnSpPr>
-          <p:nvPr/>
-        </p:nvCxnSpPr>
-        <p:spPr>
-          <a:xfrm flipH="1">
-            <a:off x="5589293" y="4706926"/>
-            <a:ext cx="1013414" cy="1504336"/>
-          </a:xfrm>
-          <a:prstGeom prst="line">
-            <a:avLst/>
-          </a:prstGeom>
-        </p:spPr>
-        <p:style>
-          <a:lnRef idx="1">
-            <a:schemeClr val="dk1"/>
-          </a:lnRef>
-          <a:fillRef idx="0">
-            <a:schemeClr val="dk1"/>
-          </a:fillRef>
-          <a:effectRef idx="0">
-            <a:schemeClr val="dk1"/>
-          </a:effectRef>
-          <a:fontRef idx="minor">
-            <a:schemeClr val="tx1"/>
-          </a:fontRef>
-        </p:style>
-      </p:cxnSp>
-      <p:sp>
-        <p:nvSpPr>
-          <p:cNvPr id="60" name="Rectangle 59">
-            <a:extLst>
-              <a:ext uri="{FF2B5EF4-FFF2-40B4-BE49-F238E27FC236}">
-                <a16:creationId xmlns:a16="http://schemas.microsoft.com/office/drawing/2014/main" id="{C6B523D7-0B69-4F32-9488-AA3484466AD2}"/>
-              </a:ext>
-            </a:extLst>
-          </p:cNvPr>
-          <p:cNvSpPr/>
-          <p:nvPr/>
-        </p:nvSpPr>
-        <p:spPr>
-          <a:xfrm>
-            <a:off x="8900781" y="4706926"/>
-            <a:ext cx="1568478" cy="1504336"/>
+            <a:off x="5630284" y="4492958"/>
+            <a:ext cx="1013414" cy="1809466"/>
           </a:xfrm>
           <a:prstGeom prst="rect">
             <a:avLst/>
           </a:prstGeom>
-          <a:noFill/>
           <a:ln>
-            <a:solidFill>
-              <a:schemeClr val="tx1"/>
-            </a:solidFill>
+            <a:noFill/>
           </a:ln>
+          <a:effectLst>
+            <a:outerShdw blurRad="292100" dist="139700" dir="2700000" algn="tl" rotWithShape="0">
+              <a:srgbClr val="333333">
+                <a:alpha val="65000"/>
+              </a:srgbClr>
+            </a:outerShdw>
+          </a:effectLst>
         </p:spPr>
-        <p:style>
-          <a:lnRef idx="2">
-            <a:schemeClr val="accent1">
-              <a:shade val="50000"/>
-            </a:schemeClr>
-          </a:lnRef>
-          <a:fillRef idx="1">
-            <a:schemeClr val="accent1"/>
-          </a:fillRef>
-          <a:effectRef idx="0">
-            <a:schemeClr val="accent1"/>
-          </a:effectRef>
-          <a:fontRef idx="minor">
-            <a:schemeClr val="lt1"/>
-          </a:fontRef>
-        </p:style>
-        <p:txBody>
-          <a:bodyPr rtlCol="0" anchor="ctr"/>
-          <a:lstStyle/>
-          <a:p>
-            <a:pPr algn="ctr"/>
-            <a:endParaRPr lang="en-US"/>
-          </a:p>
-        </p:txBody>
-      </p:sp>
-      <p:cxnSp>
-        <p:nvCxnSpPr>
-          <p:cNvPr id="62" name="Straight Connector 61">
-            <a:extLst>
-              <a:ext uri="{FF2B5EF4-FFF2-40B4-BE49-F238E27FC236}">
-                <a16:creationId xmlns:a16="http://schemas.microsoft.com/office/drawing/2014/main" id="{EE3A02DB-4685-498E-8684-F110CCA0B6EB}"/>
-              </a:ext>
-            </a:extLst>
-          </p:cNvPr>
-          <p:cNvCxnSpPr>
-            <a:cxnSpLocks/>
-          </p:cNvCxnSpPr>
-          <p:nvPr/>
-        </p:nvCxnSpPr>
-        <p:spPr>
-          <a:xfrm>
-            <a:off x="8900781" y="4706926"/>
-            <a:ext cx="1568478" cy="1504336"/>
-          </a:xfrm>
-          <a:prstGeom prst="line">
-            <a:avLst/>
-          </a:prstGeom>
-        </p:spPr>
-        <p:style>
-          <a:lnRef idx="1">
-            <a:schemeClr val="dk1"/>
-          </a:lnRef>
-          <a:fillRef idx="0">
-            <a:schemeClr val="dk1"/>
-          </a:fillRef>
-          <a:effectRef idx="0">
-            <a:schemeClr val="dk1"/>
-          </a:effectRef>
-          <a:fontRef idx="minor">
-            <a:schemeClr val="tx1"/>
-          </a:fontRef>
-        </p:style>
-      </p:cxnSp>
-      <p:cxnSp>
-        <p:nvCxnSpPr>
-          <p:cNvPr id="64" name="Straight Connector 63">
-            <a:extLst>
-              <a:ext uri="{FF2B5EF4-FFF2-40B4-BE49-F238E27FC236}">
-                <a16:creationId xmlns:a16="http://schemas.microsoft.com/office/drawing/2014/main" id="{F2F34985-6689-448D-9C27-C4F3DFC1D41B}"/>
-              </a:ext>
-            </a:extLst>
-          </p:cNvPr>
-          <p:cNvCxnSpPr/>
-          <p:nvPr/>
-        </p:nvCxnSpPr>
-        <p:spPr>
-          <a:xfrm flipV="1">
-            <a:off x="8900781" y="4706926"/>
-            <a:ext cx="1568478" cy="1504336"/>
-          </a:xfrm>
-          <a:prstGeom prst="line">
-            <a:avLst/>
-          </a:prstGeom>
-        </p:spPr>
-        <p:style>
-          <a:lnRef idx="1">
-            <a:schemeClr val="dk1"/>
-          </a:lnRef>
-          <a:fillRef idx="0">
-            <a:schemeClr val="dk1"/>
-          </a:fillRef>
-          <a:effectRef idx="0">
-            <a:schemeClr val="dk1"/>
-          </a:effectRef>
-          <a:fontRef idx="minor">
-            <a:schemeClr val="tx1"/>
-          </a:fontRef>
-        </p:style>
-      </p:cxnSp>
+      </p:pic>
     </p:spTree>
     <p:extLst>
       <p:ext uri="{BB962C8B-B14F-4D97-AF65-F5344CB8AC3E}">
@@ -15838,7 +15819,7 @@
           <a:p>
             <a:r>
               <a:rPr lang="de-DE" dirty="0"/>
-              <a:t>Demo</a:t>
+              <a:t>Live Demo</a:t>
             </a:r>
             <a:endParaRPr lang="en-US" dirty="0"/>
           </a:p>
@@ -16187,64 +16168,6 @@
           </p:txBody>
         </p:sp>
       </p:grpSp>
-      <p:sp>
-        <p:nvSpPr>
-          <p:cNvPr id="4" name="Oval 3">
-            <a:extLst>
-              <a:ext uri="{FF2B5EF4-FFF2-40B4-BE49-F238E27FC236}">
-                <a16:creationId xmlns:a16="http://schemas.microsoft.com/office/drawing/2014/main" id="{C2205061-DF51-4792-A32E-4114D5434BD8}"/>
-              </a:ext>
-            </a:extLst>
-          </p:cNvPr>
-          <p:cNvSpPr/>
-          <p:nvPr/>
-        </p:nvSpPr>
-        <p:spPr>
-          <a:xfrm>
-            <a:off x="7196447" y="0"/>
-            <a:ext cx="2861379" cy="3398296"/>
-          </a:xfrm>
-          <a:prstGeom prst="ellipse">
-            <a:avLst/>
-          </a:prstGeom>
-        </p:spPr>
-        <p:style>
-          <a:lnRef idx="2">
-            <a:schemeClr val="accent1">
-              <a:shade val="50000"/>
-            </a:schemeClr>
-          </a:lnRef>
-          <a:fillRef idx="1">
-            <a:schemeClr val="accent1"/>
-          </a:fillRef>
-          <a:effectRef idx="0">
-            <a:schemeClr val="accent1"/>
-          </a:effectRef>
-          <a:fontRef idx="minor">
-            <a:schemeClr val="lt1"/>
-          </a:fontRef>
-        </p:style>
-        <p:txBody>
-          <a:bodyPr rtlCol="0" anchor="ctr"/>
-          <a:lstStyle/>
-          <a:p>
-            <a:pPr algn="ctr"/>
-            <a:endParaRPr lang="de-DE" dirty="0"/>
-          </a:p>
-          <a:p>
-            <a:pPr algn="ctr"/>
-            <a:endParaRPr lang="de-DE" dirty="0"/>
-          </a:p>
-          <a:p>
-            <a:pPr algn="ctr"/>
-            <a:r>
-              <a:rPr lang="de-DE" dirty="0"/>
-              <a:t>„Ah, ich glaub ich hab eben den Harry gesehen. Vielleicht hat er kurz Zeit, uns zu zeigen, wie er die App nutzt</a:t>
-            </a:r>
-            <a:endParaRPr lang="en-US" dirty="0"/>
-          </a:p>
-        </p:txBody>
-      </p:sp>
       <p:pic>
         <p:nvPicPr>
           <p:cNvPr id="27" name="Graphic 26">
@@ -16260,13 +16183,13 @@
           <p:nvPr/>
         </p:nvPicPr>
         <p:blipFill>
-          <a:blip r:embed="rId2">
+          <a:blip r:embed="rId3">
             <a:extLst>
               <a:ext uri="{28A0092B-C50C-407E-A947-70E740481C1C}">
                 <a14:useLocalDpi xmlns:a14="http://schemas.microsoft.com/office/drawing/2010/main" val="0"/>
               </a:ext>
               <a:ext uri="{96DAC541-7B7A-43D3-8B79-37D633B846F1}">
-                <asvg:svgBlip xmlns:asvg="http://schemas.microsoft.com/office/drawing/2016/SVG/main" r:embed="rId3"/>
+                <asvg:svgBlip xmlns:asvg="http://schemas.microsoft.com/office/drawing/2016/SVG/main" r:embed="rId4"/>
               </a:ext>
             </a:extLst>
           </a:blip>
